--- a/宣道詩/(宣道詩163) 速發光.pptx
+++ b/宣道詩/(宣道詩163) 速發光.pptx
@@ -5,20 +5,29 @@
     <p:sldMasterId id="2147483660" r:id="rId1"/>
   </p:sldMasterIdLst>
   <p:notesMasterIdLst>
-    <p:notesMasterId r:id="rId10"/>
+    <p:notesMasterId r:id="rId19"/>
   </p:notesMasterIdLst>
   <p:handoutMasterIdLst>
-    <p:handoutMasterId r:id="rId11"/>
+    <p:handoutMasterId r:id="rId20"/>
   </p:handoutMasterIdLst>
   <p:sldIdLst>
-    <p:sldId id="1617" r:id="rId2"/>
-    <p:sldId id="1618" r:id="rId3"/>
-    <p:sldId id="1619" r:id="rId4"/>
-    <p:sldId id="1620" r:id="rId5"/>
-    <p:sldId id="1621" r:id="rId6"/>
-    <p:sldId id="1622" r:id="rId7"/>
-    <p:sldId id="1623" r:id="rId8"/>
-    <p:sldId id="1624" r:id="rId9"/>
+    <p:sldId id="1625" r:id="rId2"/>
+    <p:sldId id="1626" r:id="rId3"/>
+    <p:sldId id="1627" r:id="rId4"/>
+    <p:sldId id="1628" r:id="rId5"/>
+    <p:sldId id="1629" r:id="rId6"/>
+    <p:sldId id="1630" r:id="rId7"/>
+    <p:sldId id="1631" r:id="rId8"/>
+    <p:sldId id="1632" r:id="rId9"/>
+    <p:sldId id="1633" r:id="rId10"/>
+    <p:sldId id="1634" r:id="rId11"/>
+    <p:sldId id="1635" r:id="rId12"/>
+    <p:sldId id="1636" r:id="rId13"/>
+    <p:sldId id="1637" r:id="rId14"/>
+    <p:sldId id="1638" r:id="rId15"/>
+    <p:sldId id="1639" r:id="rId16"/>
+    <p:sldId id="1640" r:id="rId17"/>
+    <p:sldId id="1641" r:id="rId18"/>
   </p:sldIdLst>
   <p:sldSz cx="12192000" cy="6858000"/>
   <p:notesSz cx="6858000" cy="9144000"/>
@@ -149,7 +158,7 @@
   </p:defaultTextStyle>
   <p:extLst>
     <p:ext uri="{EFAFB233-063F-42B5-8137-9DF3F51BA10A}">
-      <p15:sldGuideLst xmlns:p15="http://schemas.microsoft.com/office/powerpoint/2012/main">
+      <p15:sldGuideLst xmlns:p15="http://schemas.microsoft.com/office/powerpoint/2012/main" xmlns="">
         <p15:guide id="1" orient="horz" pos="2305" userDrawn="1">
           <p15:clr>
             <a:srgbClr val="A4A3A4"/>
@@ -310,6 +319,7 @@
           <a:p>
             <a:fld id="{50305E07-67EA-4042-A3F6-853A8AD8D209}" type="slidenum">
               <a:rPr lang="en-US" smtClean="0"/>
+              <a:pPr/>
               <a:t>‹#›</a:t>
             </a:fld>
             <a:endParaRPr lang="en-US"/>
@@ -561,6 +571,7 @@
           <a:p>
             <a:fld id="{789453B0-9DF3-4847-AF80-E61FDDFE7134}" type="slidenum">
               <a:rPr lang="zh-TW" altLang="en-US" smtClean="0"/>
+              <a:pPr/>
               <a:t>‹#›</a:t>
             </a:fld>
             <a:endParaRPr lang="zh-TW" altLang="en-US"/>
@@ -893,6 +904,9 @@
             </a:pPr>
             <a:fld id="{9B0C4BEA-116E-4A46-BBD1-DB16043DE460}" type="slidenum">
               <a:rPr lang="en-US" altLang="zh-TW" smtClean="0"/>
+              <a:pPr>
+                <a:defRPr/>
+              </a:pPr>
               <a:t>‹#›</a:t>
             </a:fld>
             <a:endParaRPr lang="en-US" altLang="zh-TW"/>
@@ -902,7 +916,7 @@
     </p:spTree>
     <p:extLst>
       <p:ext uri="{BB962C8B-B14F-4D97-AF65-F5344CB8AC3E}">
-        <p14:creationId xmlns:p14="http://schemas.microsoft.com/office/powerpoint/2010/main" val="227931952"/>
+        <p14:creationId xmlns:p14="http://schemas.microsoft.com/office/powerpoint/2010/main" xmlns="" val="227931952"/>
       </p:ext>
     </p:extLst>
   </p:cSld>
@@ -1068,6 +1082,9 @@
             </a:pPr>
             <a:fld id="{ACE7D3E4-89F3-4CED-A48A-023A05B8B9D6}" type="slidenum">
               <a:rPr lang="en-US" altLang="zh-TW" smtClean="0"/>
+              <a:pPr>
+                <a:defRPr/>
+              </a:pPr>
               <a:t>‹#›</a:t>
             </a:fld>
             <a:endParaRPr lang="en-US" altLang="zh-TW"/>
@@ -1077,7 +1094,7 @@
     </p:spTree>
     <p:extLst>
       <p:ext uri="{BB962C8B-B14F-4D97-AF65-F5344CB8AC3E}">
-        <p14:creationId xmlns:p14="http://schemas.microsoft.com/office/powerpoint/2010/main" val="3047282315"/>
+        <p14:creationId xmlns:p14="http://schemas.microsoft.com/office/powerpoint/2010/main" xmlns="" val="3047282315"/>
       </p:ext>
     </p:extLst>
   </p:cSld>
@@ -1253,6 +1270,9 @@
             </a:pPr>
             <a:fld id="{E03267DE-EE7E-471A-A40B-FAAFF4920C61}" type="slidenum">
               <a:rPr lang="en-US" altLang="zh-TW" smtClean="0"/>
+              <a:pPr>
+                <a:defRPr/>
+              </a:pPr>
               <a:t>‹#›</a:t>
             </a:fld>
             <a:endParaRPr lang="en-US" altLang="zh-TW"/>
@@ -1262,7 +1282,7 @@
     </p:spTree>
     <p:extLst>
       <p:ext uri="{BB962C8B-B14F-4D97-AF65-F5344CB8AC3E}">
-        <p14:creationId xmlns:p14="http://schemas.microsoft.com/office/powerpoint/2010/main" val="897912708"/>
+        <p14:creationId xmlns:p14="http://schemas.microsoft.com/office/powerpoint/2010/main" xmlns="" val="897912708"/>
       </p:ext>
     </p:extLst>
   </p:cSld>
@@ -1428,6 +1448,9 @@
             </a:pPr>
             <a:fld id="{8B1D29A9-78CF-43D9-96E6-EC61B25CAC04}" type="slidenum">
               <a:rPr lang="en-US" altLang="zh-TW" smtClean="0"/>
+              <a:pPr>
+                <a:defRPr/>
+              </a:pPr>
               <a:t>‹#›</a:t>
             </a:fld>
             <a:endParaRPr lang="en-US" altLang="zh-TW"/>
@@ -1437,7 +1460,7 @@
     </p:spTree>
     <p:extLst>
       <p:ext uri="{BB962C8B-B14F-4D97-AF65-F5344CB8AC3E}">
-        <p14:creationId xmlns:p14="http://schemas.microsoft.com/office/powerpoint/2010/main" val="1680958125"/>
+        <p14:creationId xmlns:p14="http://schemas.microsoft.com/office/powerpoint/2010/main" xmlns="" val="1680958125"/>
       </p:ext>
     </p:extLst>
   </p:cSld>
@@ -1679,6 +1702,9 @@
             </a:pPr>
             <a:fld id="{F8642490-7E29-4483-9A31-EFF80A070D56}" type="slidenum">
               <a:rPr lang="en-US" altLang="zh-TW" smtClean="0"/>
+              <a:pPr>
+                <a:defRPr/>
+              </a:pPr>
               <a:t>‹#›</a:t>
             </a:fld>
             <a:endParaRPr lang="en-US" altLang="zh-TW"/>
@@ -1688,7 +1714,7 @@
     </p:spTree>
     <p:extLst>
       <p:ext uri="{BB962C8B-B14F-4D97-AF65-F5344CB8AC3E}">
-        <p14:creationId xmlns:p14="http://schemas.microsoft.com/office/powerpoint/2010/main" val="65851459"/>
+        <p14:creationId xmlns:p14="http://schemas.microsoft.com/office/powerpoint/2010/main" xmlns="" val="65851459"/>
       </p:ext>
     </p:extLst>
   </p:cSld>
@@ -1972,6 +1998,9 @@
             </a:pPr>
             <a:fld id="{BD66FBA3-C5B6-4ABE-B006-3071EDE08652}" type="slidenum">
               <a:rPr lang="en-US" altLang="zh-TW" smtClean="0"/>
+              <a:pPr>
+                <a:defRPr/>
+              </a:pPr>
               <a:t>‹#›</a:t>
             </a:fld>
             <a:endParaRPr lang="en-US" altLang="zh-TW"/>
@@ -1981,7 +2010,7 @@
     </p:spTree>
     <p:extLst>
       <p:ext uri="{BB962C8B-B14F-4D97-AF65-F5344CB8AC3E}">
-        <p14:creationId xmlns:p14="http://schemas.microsoft.com/office/powerpoint/2010/main" val="1249376933"/>
+        <p14:creationId xmlns:p14="http://schemas.microsoft.com/office/powerpoint/2010/main" xmlns="" val="1249376933"/>
       </p:ext>
     </p:extLst>
   </p:cSld>
@@ -2399,6 +2428,9 @@
             </a:pPr>
             <a:fld id="{EAD6F40A-D4BD-4CFE-9F04-3E5B79AD6394}" type="slidenum">
               <a:rPr lang="en-US" altLang="zh-TW" smtClean="0"/>
+              <a:pPr>
+                <a:defRPr/>
+              </a:pPr>
               <a:t>‹#›</a:t>
             </a:fld>
             <a:endParaRPr lang="en-US" altLang="zh-TW"/>
@@ -2408,7 +2440,7 @@
     </p:spTree>
     <p:extLst>
       <p:ext uri="{BB962C8B-B14F-4D97-AF65-F5344CB8AC3E}">
-        <p14:creationId xmlns:p14="http://schemas.microsoft.com/office/powerpoint/2010/main" val="2070853086"/>
+        <p14:creationId xmlns:p14="http://schemas.microsoft.com/office/powerpoint/2010/main" xmlns="" val="2070853086"/>
       </p:ext>
     </p:extLst>
   </p:cSld>
@@ -2522,6 +2554,9 @@
             </a:pPr>
             <a:fld id="{676EE02C-5D35-4378-8340-C70FEDA343E6}" type="slidenum">
               <a:rPr lang="en-US" altLang="zh-TW" smtClean="0"/>
+              <a:pPr>
+                <a:defRPr/>
+              </a:pPr>
               <a:t>‹#›</a:t>
             </a:fld>
             <a:endParaRPr lang="en-US" altLang="zh-TW"/>
@@ -2531,7 +2566,7 @@
     </p:spTree>
     <p:extLst>
       <p:ext uri="{BB962C8B-B14F-4D97-AF65-F5344CB8AC3E}">
-        <p14:creationId xmlns:p14="http://schemas.microsoft.com/office/powerpoint/2010/main" val="2718228996"/>
+        <p14:creationId xmlns:p14="http://schemas.microsoft.com/office/powerpoint/2010/main" xmlns="" val="2718228996"/>
       </p:ext>
     </p:extLst>
   </p:cSld>
@@ -2622,6 +2657,9 @@
             </a:pPr>
             <a:fld id="{EB50ADB6-12FA-47A2-8F8B-679B72FFE344}" type="slidenum">
               <a:rPr lang="en-US" altLang="zh-TW" smtClean="0"/>
+              <a:pPr>
+                <a:defRPr/>
+              </a:pPr>
               <a:t>‹#›</a:t>
             </a:fld>
             <a:endParaRPr lang="en-US" altLang="zh-TW"/>
@@ -2631,7 +2669,7 @@
     </p:spTree>
     <p:extLst>
       <p:ext uri="{BB962C8B-B14F-4D97-AF65-F5344CB8AC3E}">
-        <p14:creationId xmlns:p14="http://schemas.microsoft.com/office/powerpoint/2010/main" val="2270708949"/>
+        <p14:creationId xmlns:p14="http://schemas.microsoft.com/office/powerpoint/2010/main" xmlns="" val="2270708949"/>
       </p:ext>
     </p:extLst>
   </p:cSld>
@@ -2904,6 +2942,9 @@
             </a:pPr>
             <a:fld id="{6F0F8A50-B2C4-4226-B3AC-3C570B2B9CE0}" type="slidenum">
               <a:rPr lang="en-US" altLang="zh-TW" smtClean="0"/>
+              <a:pPr>
+                <a:defRPr/>
+              </a:pPr>
               <a:t>‹#›</a:t>
             </a:fld>
             <a:endParaRPr lang="en-US" altLang="zh-TW"/>
@@ -2913,7 +2954,7 @@
     </p:spTree>
     <p:extLst>
       <p:ext uri="{BB962C8B-B14F-4D97-AF65-F5344CB8AC3E}">
-        <p14:creationId xmlns:p14="http://schemas.microsoft.com/office/powerpoint/2010/main" val="2138122019"/>
+        <p14:creationId xmlns:p14="http://schemas.microsoft.com/office/powerpoint/2010/main" xmlns="" val="2138122019"/>
       </p:ext>
     </p:extLst>
   </p:cSld>
@@ -3166,6 +3207,9 @@
             </a:pPr>
             <a:fld id="{58F35931-D635-4C49-A97E-2F28EAA6FE94}" type="slidenum">
               <a:rPr lang="en-US" altLang="zh-TW" smtClean="0"/>
+              <a:pPr>
+                <a:defRPr/>
+              </a:pPr>
               <a:t>‹#›</a:t>
             </a:fld>
             <a:endParaRPr lang="en-US" altLang="zh-TW"/>
@@ -3175,7 +3219,7 @@
     </p:spTree>
     <p:extLst>
       <p:ext uri="{BB962C8B-B14F-4D97-AF65-F5344CB8AC3E}">
-        <p14:creationId xmlns:p14="http://schemas.microsoft.com/office/powerpoint/2010/main" val="3477728911"/>
+        <p14:creationId xmlns:p14="http://schemas.microsoft.com/office/powerpoint/2010/main" xmlns="" val="3477728911"/>
       </p:ext>
     </p:extLst>
   </p:cSld>
@@ -3425,6 +3469,9 @@
             </a:pPr>
             <a:fld id="{B24E0EF9-2ADF-4FFE-B22E-4DD3F4BA4B81}" type="slidenum">
               <a:rPr lang="en-US" altLang="zh-TW" smtClean="0"/>
+              <a:pPr>
+                <a:defRPr/>
+              </a:pPr>
               <a:t>‹#›</a:t>
             </a:fld>
             <a:endParaRPr lang="en-US" altLang="zh-TW"/>
@@ -3434,7 +3481,7 @@
     </p:spTree>
     <p:extLst>
       <p:ext uri="{BB962C8B-B14F-4D97-AF65-F5344CB8AC3E}">
-        <p14:creationId xmlns:p14="http://schemas.microsoft.com/office/powerpoint/2010/main" val="3985430795"/>
+        <p14:creationId xmlns:p14="http://schemas.microsoft.com/office/powerpoint/2010/main" xmlns="" val="3985430795"/>
       </p:ext>
     </p:extLst>
   </p:cSld>
@@ -3724,7 +3771,7 @@
       </p:grpSpPr>
       <p:sp>
         <p:nvSpPr>
-          <p:cNvPr id="4" name="Title 3"/>
+          <p:cNvPr id="4" name="標題 3"/>
           <p:cNvSpPr>
             <a:spLocks noGrp="1"/>
           </p:cNvSpPr>
@@ -3732,307 +3779,1097 @@
             <p:ph type="title"/>
           </p:nvPr>
         </p:nvSpPr>
-        <p:spPr/>
+        <p:spPr>
+          <a:xfrm>
+            <a:off x="0" y="2660915"/>
+            <a:ext cx="12192000" cy="1143000"/>
+          </a:xfrm>
+        </p:spPr>
         <p:txBody>
           <a:bodyPr>
-            <a:normAutofit/>
+            <a:noAutofit/>
           </a:bodyPr>
           <a:lstStyle/>
           <a:p>
             <a:r>
-              <a:rPr lang="en-US" altLang="zh-CN" sz="4800" b="1" dirty="0">
-                <a:solidFill>
-                  <a:srgbClr val="002060"/>
-                </a:solidFill>
-                <a:latin typeface="Microsoft JhengHei" panose="020B0604030504040204" pitchFamily="34" charset="-120"/>
-                <a:ea typeface="Microsoft JhengHei" panose="020B0604030504040204" pitchFamily="34" charset="-120"/>
+              <a:rPr lang="zh-CN" altLang="en-US" sz="5300" b="1" u="sng" dirty="0" smtClean="0">
+                <a:solidFill>
+                  <a:srgbClr val="000066"/>
+                </a:solidFill>
+                <a:effectLst>
+                  <a:outerShdw blurRad="38100" dist="38100" dir="2700000" algn="tl">
+                    <a:srgbClr val="000000">
+                      <a:alpha val="43137"/>
+                    </a:srgbClr>
+                  </a:outerShdw>
+                </a:effectLst>
+                <a:latin typeface="微軟正黑體" pitchFamily="34" charset="-120"/>
+                <a:ea typeface="微軟正黑體" pitchFamily="34" charset="-120"/>
               </a:rPr>
-              <a:t>【</a:t>
-            </a:r>
-            <a:r>
-              <a:rPr lang="zh-CN" altLang="en-US" sz="4800" b="1" dirty="0">
-                <a:solidFill>
-                  <a:srgbClr val="002060"/>
-                </a:solidFill>
-                <a:latin typeface="Microsoft JhengHei" panose="020B0604030504040204" pitchFamily="34" charset="-120"/>
-                <a:ea typeface="Microsoft JhengHei" panose="020B0604030504040204" pitchFamily="34" charset="-120"/>
+              <a:t>宣道詩 </a:t>
+            </a:r>
+            <a:r>
+              <a:rPr lang="en-US" altLang="zh-CN" sz="5300" b="1" u="sng" dirty="0" smtClean="0">
+                <a:solidFill>
+                  <a:srgbClr val="000066"/>
+                </a:solidFill>
+                <a:effectLst>
+                  <a:outerShdw blurRad="38100" dist="38100" dir="2700000" algn="tl">
+                    <a:srgbClr val="000000">
+                      <a:alpha val="43137"/>
+                    </a:srgbClr>
+                  </a:outerShdw>
+                </a:effectLst>
+                <a:latin typeface="微軟正黑體" pitchFamily="34" charset="-120"/>
+                <a:ea typeface="微軟正黑體" pitchFamily="34" charset="-120"/>
+              </a:rPr>
+              <a:t>163</a:t>
+            </a:r>
+            <a:r>
+              <a:rPr lang="en-US" altLang="zh-CN" sz="7200" b="1" i="1" dirty="0" smtClean="0">
+                <a:solidFill>
+                  <a:srgbClr val="660033"/>
+                </a:solidFill>
+                <a:effectLst>
+                  <a:outerShdw blurRad="38100" dist="38100" dir="2700000" algn="tl">
+                    <a:srgbClr val="000000">
+                      <a:alpha val="43137"/>
+                    </a:srgbClr>
+                  </a:outerShdw>
+                </a:effectLst>
+                <a:latin typeface="微軟正黑體" pitchFamily="34" charset="-120"/>
+                <a:ea typeface="微軟正黑體" pitchFamily="34" charset="-120"/>
+              </a:rPr>
+              <a:t/>
+            </a:r>
+            <a:br>
+              <a:rPr lang="en-US" altLang="zh-CN" sz="7200" b="1" i="1" dirty="0" smtClean="0">
+                <a:solidFill>
+                  <a:srgbClr val="660033"/>
+                </a:solidFill>
+                <a:effectLst>
+                  <a:outerShdw blurRad="38100" dist="38100" dir="2700000" algn="tl">
+                    <a:srgbClr val="000000">
+                      <a:alpha val="43137"/>
+                    </a:srgbClr>
+                  </a:outerShdw>
+                </a:effectLst>
+                <a:latin typeface="微軟正黑體" pitchFamily="34" charset="-120"/>
+                <a:ea typeface="微軟正黑體" pitchFamily="34" charset="-120"/>
+              </a:rPr>
+            </a:br>
+            <a:r>
+              <a:rPr lang="zh-CN" altLang="en-US" sz="8000" b="1" dirty="0" smtClean="0">
+                <a:solidFill>
+                  <a:srgbClr val="660033"/>
+                </a:solidFill>
+                <a:effectLst>
+                  <a:outerShdw blurRad="38100" dist="38100" dir="2700000" algn="tl">
+                    <a:srgbClr val="000000">
+                      <a:alpha val="43137"/>
+                    </a:srgbClr>
+                  </a:outerShdw>
+                </a:effectLst>
+                <a:latin typeface="微軟正黑體" pitchFamily="34" charset="-120"/>
+                <a:ea typeface="微軟正黑體" pitchFamily="34" charset="-120"/>
               </a:rPr>
               <a:t>速發光</a:t>
             </a:r>
-            <a:r>
-              <a:rPr lang="en-US" altLang="zh-CN" sz="4800" b="1" dirty="0">
-                <a:solidFill>
-                  <a:srgbClr val="002060"/>
-                </a:solidFill>
-                <a:latin typeface="Microsoft JhengHei" panose="020B0604030504040204" pitchFamily="34" charset="-120"/>
-                <a:ea typeface="Microsoft JhengHei" panose="020B0604030504040204" pitchFamily="34" charset="-120"/>
-              </a:rPr>
-              <a:t>】</a:t>
-            </a:r>
-            <a:endParaRPr lang="zh-CN" altLang="en-US" sz="4800" b="1" dirty="0">
+            <a:endParaRPr lang="zh-TW" altLang="en-US" sz="8000" b="1" dirty="0">
               <a:solidFill>
-                <a:srgbClr val="002060"/>
+                <a:srgbClr val="660033"/>
               </a:solidFill>
-              <a:latin typeface="Microsoft JhengHei" panose="020B0604030504040204" pitchFamily="34" charset="-120"/>
-              <a:ea typeface="Microsoft JhengHei" panose="020B0604030504040204" pitchFamily="34" charset="-120"/>
+              <a:effectLst>
+                <a:outerShdw blurRad="38100" dist="38100" dir="2700000" algn="tl">
+                  <a:srgbClr val="000000">
+                    <a:alpha val="43137"/>
+                  </a:srgbClr>
+                </a:outerShdw>
+              </a:effectLst>
+              <a:latin typeface="微軟正黑體" pitchFamily="34" charset="-120"/>
+              <a:ea typeface="微軟正黑體" pitchFamily="34" charset="-120"/>
             </a:endParaRPr>
-          </a:p>
-        </p:txBody>
-      </p:sp>
-      <p:sp>
-        <p:nvSpPr>
-          <p:cNvPr id="5" name="Content Placeholder 4"/>
-          <p:cNvSpPr>
-            <a:spLocks noGrp="1"/>
-          </p:cNvSpPr>
-          <p:nvPr>
-            <p:ph idx="1"/>
-          </p:nvPr>
-        </p:nvSpPr>
-        <p:spPr/>
-        <p:txBody>
-          <a:bodyPr>
-            <a:normAutofit/>
-          </a:bodyPr>
-          <a:lstStyle/>
-          <a:p>
-            <a:pPr marL="0" indent="0" algn="ctr">
-              <a:buNone/>
-            </a:pPr>
-            <a:r>
-              <a:rPr lang="zh-TW" altLang="en-US" sz="5400" b="1" dirty="0">
-                <a:solidFill>
-                  <a:srgbClr val="002060"/>
-                </a:solidFill>
-                <a:latin typeface="Microsoft JhengHei" panose="020B0604030504040204" pitchFamily="34" charset="-120"/>
-                <a:ea typeface="Microsoft JhengHei" panose="020B0604030504040204" pitchFamily="34" charset="-120"/>
-              </a:rPr>
-              <a:t>千萬人寄生罪</a:t>
-            </a:r>
-            <a:r>
-              <a:rPr lang="zh-TW" altLang="en-US" sz="5400" b="1" dirty="0">
-                <a:solidFill>
-                  <a:srgbClr val="002060"/>
-                </a:solidFill>
-                <a:latin typeface="Microsoft JhengHei" panose="020B0604030504040204" pitchFamily="34" charset="-120"/>
-                <a:ea typeface="Microsoft JhengHei" panose="020B0604030504040204" pitchFamily="34" charset="-120"/>
-              </a:rPr>
-              <a:t>中如</a:t>
-            </a:r>
-            <a:r>
-              <a:rPr lang="zh-TW" altLang="en-US" sz="5400" b="1" dirty="0">
-                <a:solidFill>
-                  <a:srgbClr val="002060"/>
-                </a:solidFill>
-                <a:latin typeface="Microsoft JhengHei" panose="020B0604030504040204" pitchFamily="34" charset="-120"/>
-                <a:ea typeface="Microsoft JhengHei" panose="020B0604030504040204" pitchFamily="34" charset="-120"/>
-              </a:rPr>
-              <a:t>陷深海</a:t>
-            </a:r>
-          </a:p>
-          <a:p>
-            <a:pPr marL="0" indent="0" algn="ctr">
-              <a:buNone/>
-            </a:pPr>
-            <a:r>
-              <a:rPr lang="zh-TW" altLang="en-US" sz="5400" b="1" dirty="0">
-                <a:solidFill>
-                  <a:srgbClr val="002060"/>
-                </a:solidFill>
-                <a:latin typeface="Microsoft JhengHei" panose="020B0604030504040204" pitchFamily="34" charset="-120"/>
-                <a:ea typeface="Microsoft JhengHei" panose="020B0604030504040204" pitchFamily="34" charset="-120"/>
-              </a:rPr>
-              <a:t>速發</a:t>
-            </a:r>
-            <a:r>
-              <a:rPr lang="zh-TW" altLang="en-US" sz="5400" b="1" dirty="0" smtClean="0">
-                <a:solidFill>
-                  <a:srgbClr val="002060"/>
-                </a:solidFill>
-                <a:latin typeface="Microsoft JhengHei" panose="020B0604030504040204" pitchFamily="34" charset="-120"/>
-                <a:ea typeface="Microsoft JhengHei" panose="020B0604030504040204" pitchFamily="34" charset="-120"/>
-              </a:rPr>
-              <a:t>光  速</a:t>
-            </a:r>
-            <a:r>
-              <a:rPr lang="zh-TW" altLang="en-US" sz="5400" b="1" dirty="0">
-                <a:solidFill>
-                  <a:srgbClr val="002060"/>
-                </a:solidFill>
-                <a:latin typeface="Microsoft JhengHei" panose="020B0604030504040204" pitchFamily="34" charset="-120"/>
-                <a:ea typeface="Microsoft JhengHei" panose="020B0604030504040204" pitchFamily="34" charset="-120"/>
-              </a:rPr>
-              <a:t>發</a:t>
-            </a:r>
-            <a:r>
-              <a:rPr lang="zh-TW" altLang="en-US" sz="5400" b="1" dirty="0">
-                <a:solidFill>
-                  <a:srgbClr val="002060"/>
-                </a:solidFill>
-                <a:latin typeface="Microsoft JhengHei" panose="020B0604030504040204" pitchFamily="34" charset="-120"/>
-                <a:ea typeface="Microsoft JhengHei" panose="020B0604030504040204" pitchFamily="34" charset="-120"/>
-              </a:rPr>
-              <a:t>光</a:t>
-            </a:r>
-            <a:endParaRPr lang="en-US" altLang="zh-TW" sz="5400" b="1" dirty="0">
-              <a:solidFill>
-                <a:srgbClr val="002060"/>
-              </a:solidFill>
-              <a:latin typeface="Microsoft JhengHei" panose="020B0604030504040204" pitchFamily="34" charset="-120"/>
-              <a:ea typeface="Microsoft JhengHei" panose="020B0604030504040204" pitchFamily="34" charset="-120"/>
-            </a:endParaRPr>
-          </a:p>
-          <a:p>
-            <a:pPr marL="0" indent="0" algn="ctr">
-              <a:buNone/>
-            </a:pPr>
-            <a:r>
-              <a:rPr lang="zh-TW" altLang="en-US" sz="5400" b="1" dirty="0">
-                <a:solidFill>
-                  <a:srgbClr val="002060"/>
-                </a:solidFill>
-                <a:latin typeface="Microsoft JhengHei" panose="020B0604030504040204" pitchFamily="34" charset="-120"/>
-                <a:ea typeface="Microsoft JhengHei" panose="020B0604030504040204" pitchFamily="34" charset="-120"/>
-                <a:sym typeface="+mn-ea"/>
-              </a:rPr>
-              <a:t>彼哀呼求</a:t>
-            </a:r>
-            <a:r>
-              <a:rPr lang="zh-TW" altLang="en-US" sz="5400" b="1" dirty="0">
-                <a:solidFill>
-                  <a:srgbClr val="002060"/>
-                </a:solidFill>
-                <a:latin typeface="Microsoft JhengHei" panose="020B0604030504040204" pitchFamily="34" charset="-120"/>
-                <a:ea typeface="Microsoft JhengHei" panose="020B0604030504040204" pitchFamily="34" charset="-120"/>
-                <a:sym typeface="+mn-ea"/>
-              </a:rPr>
-              <a:t>救豈</a:t>
-            </a:r>
-            <a:r>
-              <a:rPr lang="zh-TW" altLang="en-US" sz="5400" b="1" dirty="0">
-                <a:solidFill>
-                  <a:srgbClr val="002060"/>
-                </a:solidFill>
-                <a:latin typeface="Microsoft JhengHei" panose="020B0604030504040204" pitchFamily="34" charset="-120"/>
-                <a:ea typeface="Microsoft JhengHei" panose="020B0604030504040204" pitchFamily="34" charset="-120"/>
-                <a:sym typeface="+mn-ea"/>
-              </a:rPr>
-              <a:t>可旁觀立待</a:t>
-            </a:r>
-            <a:endParaRPr lang="zh-TW" altLang="en-US" sz="5400" b="1" dirty="0">
-              <a:solidFill>
-                <a:srgbClr val="002060"/>
-              </a:solidFill>
-              <a:latin typeface="Microsoft JhengHei" panose="020B0604030504040204" pitchFamily="34" charset="-120"/>
-              <a:ea typeface="Microsoft JhengHei" panose="020B0604030504040204" pitchFamily="34" charset="-120"/>
-            </a:endParaRPr>
-          </a:p>
-          <a:p>
-            <a:pPr marL="0" indent="0" algn="ctr">
-              <a:buNone/>
-            </a:pPr>
-            <a:r>
-              <a:rPr lang="zh-TW" altLang="en-US" sz="5400" b="1" dirty="0">
-                <a:solidFill>
-                  <a:srgbClr val="002060"/>
-                </a:solidFill>
-                <a:latin typeface="Microsoft JhengHei" panose="020B0604030504040204" pitchFamily="34" charset="-120"/>
-                <a:ea typeface="Microsoft JhengHei" panose="020B0604030504040204" pitchFamily="34" charset="-120"/>
-                <a:sym typeface="+mn-ea"/>
-              </a:rPr>
-              <a:t>速發</a:t>
-            </a:r>
-            <a:r>
-              <a:rPr lang="zh-TW" altLang="en-US" sz="5400" b="1" dirty="0" smtClean="0">
-                <a:solidFill>
-                  <a:srgbClr val="002060"/>
-                </a:solidFill>
-                <a:latin typeface="Microsoft JhengHei" panose="020B0604030504040204" pitchFamily="34" charset="-120"/>
-                <a:ea typeface="Microsoft JhengHei" panose="020B0604030504040204" pitchFamily="34" charset="-120"/>
-                <a:sym typeface="+mn-ea"/>
-              </a:rPr>
-              <a:t>光  須</a:t>
-            </a:r>
-            <a:r>
-              <a:rPr lang="zh-TW" altLang="en-US" sz="5400" b="1" dirty="0">
-                <a:solidFill>
-                  <a:srgbClr val="002060"/>
-                </a:solidFill>
-                <a:latin typeface="Microsoft JhengHei" panose="020B0604030504040204" pitchFamily="34" charset="-120"/>
-                <a:ea typeface="Microsoft JhengHei" panose="020B0604030504040204" pitchFamily="34" charset="-120"/>
-                <a:sym typeface="+mn-ea"/>
-              </a:rPr>
-              <a:t>速發</a:t>
-            </a:r>
-            <a:r>
-              <a:rPr lang="zh-TW" altLang="en-US" sz="5400" b="1" dirty="0">
-                <a:solidFill>
-                  <a:srgbClr val="002060"/>
-                </a:solidFill>
-                <a:latin typeface="Microsoft JhengHei" panose="020B0604030504040204" pitchFamily="34" charset="-120"/>
-                <a:ea typeface="Microsoft JhengHei" panose="020B0604030504040204" pitchFamily="34" charset="-120"/>
-                <a:sym typeface="+mn-ea"/>
-              </a:rPr>
-              <a:t>光</a:t>
-            </a:r>
-            <a:endParaRPr lang="zh-TW" altLang="en-US" sz="5400" b="1" dirty="0">
-              <a:solidFill>
-                <a:srgbClr val="002060"/>
-              </a:solidFill>
-              <a:latin typeface="Microsoft JhengHei" panose="020B0604030504040204" pitchFamily="34" charset="-120"/>
-              <a:ea typeface="Microsoft JhengHei" panose="020B0604030504040204" pitchFamily="34" charset="-120"/>
-            </a:endParaRPr>
-          </a:p>
-        </p:txBody>
-      </p:sp>
-      <p:sp>
-        <p:nvSpPr>
-          <p:cNvPr id="6" name="Text Box 1"/>
-          <p:cNvSpPr txBox="1"/>
-          <p:nvPr/>
-        </p:nvSpPr>
-        <p:spPr>
-          <a:xfrm>
-            <a:off x="767408" y="1700808"/>
-            <a:ext cx="911424" cy="923330"/>
-          </a:xfrm>
-          <a:prstGeom prst="rect">
-            <a:avLst/>
-          </a:prstGeom>
-          <a:noFill/>
-          <a:ln w="9525">
-            <a:noFill/>
-            <a:miter lim="800000"/>
-          </a:ln>
-        </p:spPr>
-        <p:txBody>
-          <a:bodyPr wrap="square">
-            <a:spAutoFit/>
-          </a:bodyPr>
-          <a:lstStyle/>
-          <a:p>
-            <a:pPr algn="ctr"/>
-            <a:r>
-              <a:rPr lang="en-US" sz="5400" b="1" dirty="0">
-                <a:solidFill>
-                  <a:srgbClr val="002060"/>
-                </a:solidFill>
-              </a:rPr>
-              <a:t>1.</a:t>
-            </a:r>
           </a:p>
         </p:txBody>
       </p:sp>
     </p:spTree>
     <p:extLst>
       <p:ext uri="{BB962C8B-B14F-4D97-AF65-F5344CB8AC3E}">
-        <p14:creationId xmlns:p14="http://schemas.microsoft.com/office/powerpoint/2010/main" val="381914145"/>
+        <p14:creationId xmlns:p14="http://schemas.microsoft.com/office/powerpoint/2010/main" xmlns="" val="3724263107"/>
       </p:ext>
     </p:extLst>
   </p:cSld>
   <p:clrMapOvr>
     <a:masterClrMapping/>
   </p:clrMapOvr>
+  <p:timing>
+    <p:tnLst>
+      <p:par>
+        <p:cTn id="1" dur="indefinite" restart="never" nodeType="tmRoot"/>
+      </p:par>
+    </p:tnLst>
+  </p:timing>
+</p:sld>
+</file>
+
+<file path=ppt/slides/slide10.xml><?xml version="1.0" encoding="utf-8"?>
+<p:sld xmlns:a="http://schemas.openxmlformats.org/drawingml/2006/main" xmlns:r="http://schemas.openxmlformats.org/officeDocument/2006/relationships" xmlns:p="http://schemas.openxmlformats.org/presentationml/2006/main">
+  <p:cSld>
+    <p:spTree>
+      <p:nvGrpSpPr>
+        <p:cNvPr id="1" name=""/>
+        <p:cNvGrpSpPr/>
+        <p:nvPr/>
+      </p:nvGrpSpPr>
+      <p:grpSpPr>
+        <a:xfrm>
+          <a:off x="0" y="0"/>
+          <a:ext cx="0" cy="0"/>
+          <a:chOff x="0" y="0"/>
+          <a:chExt cx="0" cy="0"/>
+        </a:xfrm>
+      </p:grpSpPr>
+      <p:sp>
+        <p:nvSpPr>
+          <p:cNvPr id="5" name="內容版面配置區 4"/>
+          <p:cNvSpPr>
+            <a:spLocks noGrp="1"/>
+          </p:cNvSpPr>
+          <p:nvPr>
+            <p:ph idx="1"/>
+          </p:nvPr>
+        </p:nvSpPr>
+        <p:spPr>
+          <a:xfrm>
+            <a:off x="0" y="2084851"/>
+            <a:ext cx="12192000" cy="2404863"/>
+          </a:xfrm>
+        </p:spPr>
+        <p:txBody>
+          <a:bodyPr anchor="ctr">
+            <a:normAutofit/>
+          </a:bodyPr>
+          <a:lstStyle/>
+          <a:p>
+            <a:pPr marL="0" indent="0" algn="ctr">
+              <a:buNone/>
+            </a:pPr>
+            <a:r>
+              <a:rPr lang="zh-TW" altLang="en-US" sz="6400" b="1" dirty="0" smtClean="0">
+                <a:solidFill>
+                  <a:srgbClr val="660033"/>
+                </a:solidFill>
+                <a:latin typeface="Microsoft JhengHei" panose="020B0604030504040204" pitchFamily="34" charset="-120"/>
+                <a:ea typeface="Microsoft JhengHei" panose="020B0604030504040204" pitchFamily="34" charset="-120"/>
+              </a:rPr>
+              <a:t>耶穌命我傳此福音大信息</a:t>
+            </a:r>
+          </a:p>
+          <a:p>
+            <a:pPr marL="0" indent="0" algn="ctr">
+              <a:buNone/>
+            </a:pPr>
+            <a:r>
+              <a:rPr lang="zh-TW" altLang="en-US" sz="6400" b="1" dirty="0" smtClean="0">
+                <a:solidFill>
+                  <a:srgbClr val="660033"/>
+                </a:solidFill>
+                <a:latin typeface="Microsoft JhengHei" panose="020B0604030504040204" pitchFamily="34" charset="-120"/>
+                <a:ea typeface="Microsoft JhengHei" panose="020B0604030504040204" pitchFamily="34" charset="-120"/>
+              </a:rPr>
+              <a:t>速發光  速發光</a:t>
+            </a:r>
+            <a:endParaRPr lang="en-US" altLang="zh-TW" sz="6400" b="1" dirty="0">
+              <a:solidFill>
+                <a:srgbClr val="660033"/>
+              </a:solidFill>
+              <a:latin typeface="Microsoft JhengHei" panose="020B0604030504040204" pitchFamily="34" charset="-120"/>
+              <a:ea typeface="Microsoft JhengHei" panose="020B0604030504040204" pitchFamily="34" charset="-120"/>
+            </a:endParaRPr>
+          </a:p>
+        </p:txBody>
+      </p:sp>
+      <p:sp>
+        <p:nvSpPr>
+          <p:cNvPr id="3" name="TextBox 2"/>
+          <p:cNvSpPr txBox="1"/>
+          <p:nvPr/>
+        </p:nvSpPr>
+        <p:spPr>
+          <a:xfrm>
+            <a:off x="0" y="5238763"/>
+            <a:ext cx="12192000" cy="861775"/>
+          </a:xfrm>
+          <a:prstGeom prst="rect">
+            <a:avLst/>
+          </a:prstGeom>
+          <a:noFill/>
+        </p:spPr>
+        <p:txBody>
+          <a:bodyPr wrap="square" lIns="121917" tIns="60958" rIns="121917" bIns="60958" rtlCol="0">
+            <a:spAutoFit/>
+          </a:bodyPr>
+          <a:lstStyle/>
+          <a:p>
+            <a:pPr algn="ctr"/>
+            <a:r>
+              <a:rPr lang="en-US" sz="4800" b="1" dirty="0" smtClean="0">
+                <a:solidFill>
+                  <a:srgbClr val="660033"/>
+                </a:solidFill>
+              </a:rPr>
+              <a:t>( 3 )</a:t>
+            </a:r>
+            <a:endParaRPr lang="vi-VN" sz="4800" b="1" dirty="0">
+              <a:solidFill>
+                <a:srgbClr val="660033"/>
+              </a:solidFill>
+            </a:endParaRPr>
+          </a:p>
+        </p:txBody>
+      </p:sp>
+    </p:spTree>
+    <p:extLst>
+      <p:ext uri="{BB962C8B-B14F-4D97-AF65-F5344CB8AC3E}">
+        <p14:creationId xmlns:p14="http://schemas.microsoft.com/office/powerpoint/2010/main" xmlns="" val="399046055"/>
+      </p:ext>
+    </p:extLst>
+  </p:cSld>
+  <p:clrMapOvr>
+    <a:masterClrMapping/>
+  </p:clrMapOvr>
+  <p:timing>
+    <p:tnLst>
+      <p:par>
+        <p:cTn id="1" dur="indefinite" restart="never" nodeType="tmRoot"/>
+      </p:par>
+    </p:tnLst>
+  </p:timing>
+</p:sld>
+</file>
+
+<file path=ppt/slides/slide11.xml><?xml version="1.0" encoding="utf-8"?>
+<p:sld xmlns:a="http://schemas.openxmlformats.org/drawingml/2006/main" xmlns:r="http://schemas.openxmlformats.org/officeDocument/2006/relationships" xmlns:p="http://schemas.openxmlformats.org/presentationml/2006/main">
+  <p:cSld>
+    <p:spTree>
+      <p:nvGrpSpPr>
+        <p:cNvPr id="1" name=""/>
+        <p:cNvGrpSpPr/>
+        <p:nvPr/>
+      </p:nvGrpSpPr>
+      <p:grpSpPr>
+        <a:xfrm>
+          <a:off x="0" y="0"/>
+          <a:ext cx="0" cy="0"/>
+          <a:chOff x="0" y="0"/>
+          <a:chExt cx="0" cy="0"/>
+        </a:xfrm>
+      </p:grpSpPr>
+      <p:sp>
+        <p:nvSpPr>
+          <p:cNvPr id="5" name="內容版面配置區 4"/>
+          <p:cNvSpPr>
+            <a:spLocks noGrp="1"/>
+          </p:cNvSpPr>
+          <p:nvPr>
+            <p:ph idx="1"/>
+          </p:nvPr>
+        </p:nvSpPr>
+        <p:spPr>
+          <a:xfrm>
+            <a:off x="0" y="2084851"/>
+            <a:ext cx="12192000" cy="2404863"/>
+          </a:xfrm>
+        </p:spPr>
+        <p:txBody>
+          <a:bodyPr anchor="ctr">
+            <a:normAutofit/>
+          </a:bodyPr>
+          <a:lstStyle/>
+          <a:p>
+            <a:pPr marL="0" indent="0" algn="ctr">
+              <a:buNone/>
+            </a:pPr>
+            <a:r>
+              <a:rPr lang="zh-TW" altLang="en-US" sz="6400" b="1" dirty="0" smtClean="0">
+                <a:solidFill>
+                  <a:srgbClr val="660033"/>
+                </a:solidFill>
+                <a:latin typeface="Microsoft JhengHei" panose="020B0604030504040204" pitchFamily="34" charset="-120"/>
+                <a:ea typeface="Microsoft JhengHei" panose="020B0604030504040204" pitchFamily="34" charset="-120"/>
+                <a:sym typeface="+mn-ea"/>
+              </a:rPr>
+              <a:t>苟不宣傳眾生何有得救時</a:t>
+            </a:r>
+          </a:p>
+          <a:p>
+            <a:pPr marL="0" indent="0" algn="ctr">
+              <a:buNone/>
+            </a:pPr>
+            <a:r>
+              <a:rPr lang="zh-TW" altLang="en-US" sz="6400" b="1" dirty="0" smtClean="0">
+                <a:solidFill>
+                  <a:srgbClr val="660033"/>
+                </a:solidFill>
+                <a:latin typeface="Microsoft JhengHei" panose="020B0604030504040204" pitchFamily="34" charset="-120"/>
+                <a:ea typeface="Microsoft JhengHei" panose="020B0604030504040204" pitchFamily="34" charset="-120"/>
+                <a:sym typeface="+mn-ea"/>
+              </a:rPr>
+              <a:t>速發光  須速發光</a:t>
+            </a:r>
+            <a:endParaRPr lang="zh-TW" altLang="en-US" sz="6400" b="1" dirty="0">
+              <a:solidFill>
+                <a:srgbClr val="660033"/>
+              </a:solidFill>
+              <a:latin typeface="Microsoft JhengHei" panose="020B0604030504040204" pitchFamily="34" charset="-120"/>
+              <a:ea typeface="Microsoft JhengHei" panose="020B0604030504040204" pitchFamily="34" charset="-120"/>
+              <a:sym typeface="+mn-ea"/>
+            </a:endParaRPr>
+          </a:p>
+        </p:txBody>
+      </p:sp>
+      <p:sp>
+        <p:nvSpPr>
+          <p:cNvPr id="3" name="TextBox 2"/>
+          <p:cNvSpPr txBox="1"/>
+          <p:nvPr/>
+        </p:nvSpPr>
+        <p:spPr>
+          <a:xfrm>
+            <a:off x="0" y="5238763"/>
+            <a:ext cx="12192000" cy="861775"/>
+          </a:xfrm>
+          <a:prstGeom prst="rect">
+            <a:avLst/>
+          </a:prstGeom>
+          <a:noFill/>
+        </p:spPr>
+        <p:txBody>
+          <a:bodyPr wrap="square" lIns="121917" tIns="60958" rIns="121917" bIns="60958" rtlCol="0">
+            <a:spAutoFit/>
+          </a:bodyPr>
+          <a:lstStyle/>
+          <a:p>
+            <a:pPr algn="ctr"/>
+            <a:r>
+              <a:rPr lang="en-US" sz="4800" b="1" dirty="0" smtClean="0">
+                <a:solidFill>
+                  <a:srgbClr val="660033"/>
+                </a:solidFill>
+              </a:rPr>
+              <a:t>( 3 )</a:t>
+            </a:r>
+            <a:endParaRPr lang="vi-VN" sz="4800" b="1" dirty="0">
+              <a:solidFill>
+                <a:srgbClr val="660033"/>
+              </a:solidFill>
+            </a:endParaRPr>
+          </a:p>
+        </p:txBody>
+      </p:sp>
+    </p:spTree>
+    <p:extLst>
+      <p:ext uri="{BB962C8B-B14F-4D97-AF65-F5344CB8AC3E}">
+        <p14:creationId xmlns:p14="http://schemas.microsoft.com/office/powerpoint/2010/main" xmlns="" val="399046055"/>
+      </p:ext>
+    </p:extLst>
+  </p:cSld>
+  <p:clrMapOvr>
+    <a:masterClrMapping/>
+  </p:clrMapOvr>
+  <p:timing>
+    <p:tnLst>
+      <p:par>
+        <p:cTn id="1" dur="indefinite" restart="never" nodeType="tmRoot"/>
+      </p:par>
+    </p:tnLst>
+  </p:timing>
+</p:sld>
+</file>
+
+<file path=ppt/slides/slide12.xml><?xml version="1.0" encoding="utf-8"?>
+<p:sld xmlns:a="http://schemas.openxmlformats.org/drawingml/2006/main" xmlns:r="http://schemas.openxmlformats.org/officeDocument/2006/relationships" xmlns:p="http://schemas.openxmlformats.org/presentationml/2006/main">
+  <p:cSld>
+    <p:spTree>
+      <p:nvGrpSpPr>
+        <p:cNvPr id="1" name=""/>
+        <p:cNvGrpSpPr/>
+        <p:nvPr/>
+      </p:nvGrpSpPr>
+      <p:grpSpPr>
+        <a:xfrm>
+          <a:off x="0" y="0"/>
+          <a:ext cx="0" cy="0"/>
+          <a:chOff x="0" y="0"/>
+          <a:chExt cx="0" cy="0"/>
+        </a:xfrm>
+      </p:grpSpPr>
+      <p:sp>
+        <p:nvSpPr>
+          <p:cNvPr id="5" name="內容版面配置區 4"/>
+          <p:cNvSpPr>
+            <a:spLocks noGrp="1"/>
+          </p:cNvSpPr>
+          <p:nvPr>
+            <p:ph idx="1"/>
+          </p:nvPr>
+        </p:nvSpPr>
+        <p:spPr>
+          <a:xfrm>
+            <a:off x="0" y="2084851"/>
+            <a:ext cx="12192000" cy="2404863"/>
+          </a:xfrm>
+        </p:spPr>
+        <p:txBody>
+          <a:bodyPr anchor="ctr">
+            <a:normAutofit/>
+          </a:bodyPr>
+          <a:lstStyle/>
+          <a:p>
+            <a:pPr marL="0" indent="0" algn="ctr">
+              <a:buNone/>
+            </a:pPr>
+            <a:r>
+              <a:rPr lang="zh-TW" altLang="en-US" sz="6400" b="1" dirty="0" smtClean="0">
+                <a:solidFill>
+                  <a:srgbClr val="660033"/>
+                </a:solidFill>
+                <a:latin typeface="Microsoft JhengHei" pitchFamily="34" charset="-120"/>
+                <a:ea typeface="Microsoft JhengHei" pitchFamily="34" charset="-120"/>
+                <a:sym typeface="+mn-ea"/>
+              </a:rPr>
+              <a:t>速發光  速發福音真光</a:t>
+            </a:r>
+          </a:p>
+          <a:p>
+            <a:pPr marL="0" indent="0" algn="ctr">
+              <a:buNone/>
+            </a:pPr>
+            <a:r>
+              <a:rPr lang="zh-TW" altLang="en-US" sz="6400" b="1" dirty="0" smtClean="0">
+                <a:solidFill>
+                  <a:srgbClr val="660033"/>
+                </a:solidFill>
+                <a:latin typeface="Microsoft JhengHei" pitchFamily="34" charset="-120"/>
+                <a:ea typeface="Microsoft JhengHei" pitchFamily="34" charset="-120"/>
+                <a:sym typeface="+mn-ea"/>
+              </a:rPr>
+              <a:t>速</a:t>
+            </a:r>
+            <a:r>
+              <a:rPr lang="zh-CN" altLang="en-US" sz="6400" b="1" dirty="0" smtClean="0">
+                <a:solidFill>
+                  <a:srgbClr val="660033"/>
+                </a:solidFill>
+                <a:latin typeface="Microsoft JhengHei" pitchFamily="34" charset="-120"/>
+                <a:ea typeface="Microsoft JhengHei" pitchFamily="34" charset="-120"/>
+                <a:sym typeface="+mn-ea"/>
+              </a:rPr>
+              <a:t>照</a:t>
+            </a:r>
+            <a:r>
+              <a:rPr lang="zh-TW" altLang="en-US" sz="6400" b="1" dirty="0" smtClean="0">
+                <a:solidFill>
+                  <a:srgbClr val="660033"/>
+                </a:solidFill>
+                <a:latin typeface="Microsoft JhengHei" pitchFamily="34" charset="-120"/>
+                <a:ea typeface="Microsoft JhengHei" pitchFamily="34" charset="-120"/>
+                <a:sym typeface="+mn-ea"/>
+              </a:rPr>
+              <a:t>亮  幽暗昏沉地方</a:t>
+            </a:r>
+          </a:p>
+        </p:txBody>
+      </p:sp>
+    </p:spTree>
+    <p:extLst>
+      <p:ext uri="{BB962C8B-B14F-4D97-AF65-F5344CB8AC3E}">
+        <p14:creationId xmlns:p14="http://schemas.microsoft.com/office/powerpoint/2010/main" xmlns="" val="399046055"/>
+      </p:ext>
+    </p:extLst>
+  </p:cSld>
+  <p:clrMapOvr>
+    <a:masterClrMapping/>
+  </p:clrMapOvr>
+  <p:timing>
+    <p:tnLst>
+      <p:par>
+        <p:cTn id="1" dur="indefinite" restart="never" nodeType="tmRoot"/>
+      </p:par>
+    </p:tnLst>
+  </p:timing>
+</p:sld>
+</file>
+
+<file path=ppt/slides/slide13.xml><?xml version="1.0" encoding="utf-8"?>
+<p:sld xmlns:a="http://schemas.openxmlformats.org/drawingml/2006/main" xmlns:r="http://schemas.openxmlformats.org/officeDocument/2006/relationships" xmlns:p="http://schemas.openxmlformats.org/presentationml/2006/main">
+  <p:cSld>
+    <p:spTree>
+      <p:nvGrpSpPr>
+        <p:cNvPr id="1" name=""/>
+        <p:cNvGrpSpPr/>
+        <p:nvPr/>
+      </p:nvGrpSpPr>
+      <p:grpSpPr>
+        <a:xfrm>
+          <a:off x="0" y="0"/>
+          <a:ext cx="0" cy="0"/>
+          <a:chOff x="0" y="0"/>
+          <a:chExt cx="0" cy="0"/>
+        </a:xfrm>
+      </p:grpSpPr>
+      <p:sp>
+        <p:nvSpPr>
+          <p:cNvPr id="5" name="內容版面配置區 4"/>
+          <p:cNvSpPr>
+            <a:spLocks noGrp="1"/>
+          </p:cNvSpPr>
+          <p:nvPr>
+            <p:ph idx="1"/>
+          </p:nvPr>
+        </p:nvSpPr>
+        <p:spPr>
+          <a:xfrm>
+            <a:off x="0" y="2084851"/>
+            <a:ext cx="12192000" cy="2404863"/>
+          </a:xfrm>
+        </p:spPr>
+        <p:txBody>
+          <a:bodyPr anchor="ctr">
+            <a:normAutofit/>
+          </a:bodyPr>
+          <a:lstStyle/>
+          <a:p>
+            <a:pPr marL="0" indent="0" algn="ctr">
+              <a:buNone/>
+            </a:pPr>
+            <a:r>
+              <a:rPr lang="zh-TW" altLang="en-US" sz="6400" b="1" dirty="0" smtClean="0">
+                <a:solidFill>
+                  <a:srgbClr val="660033"/>
+                </a:solidFill>
+                <a:latin typeface="Microsoft JhengHei" pitchFamily="34" charset="-120"/>
+                <a:ea typeface="Microsoft JhengHei" pitchFamily="34" charset="-120"/>
+                <a:sym typeface="+mn-ea"/>
+              </a:rPr>
+              <a:t>田禾成熟  宜收斂入倉</a:t>
+            </a:r>
+          </a:p>
+          <a:p>
+            <a:pPr marL="0" indent="0" algn="ctr">
+              <a:buNone/>
+            </a:pPr>
+            <a:r>
+              <a:rPr lang="zh-TW" altLang="en-US" sz="6400" b="1" dirty="0" smtClean="0">
+                <a:solidFill>
+                  <a:srgbClr val="660033"/>
+                </a:solidFill>
+                <a:latin typeface="Microsoft JhengHei" pitchFamily="34" charset="-120"/>
+                <a:ea typeface="Microsoft JhengHei" pitchFamily="34" charset="-120"/>
+                <a:sym typeface="+mn-ea"/>
+              </a:rPr>
+              <a:t>速發光  須速發光</a:t>
+            </a:r>
+          </a:p>
+        </p:txBody>
+      </p:sp>
+    </p:spTree>
+    <p:extLst>
+      <p:ext uri="{BB962C8B-B14F-4D97-AF65-F5344CB8AC3E}">
+        <p14:creationId xmlns:p14="http://schemas.microsoft.com/office/powerpoint/2010/main" xmlns="" val="399046055"/>
+      </p:ext>
+    </p:extLst>
+  </p:cSld>
+  <p:clrMapOvr>
+    <a:masterClrMapping/>
+  </p:clrMapOvr>
+  <p:timing>
+    <p:tnLst>
+      <p:par>
+        <p:cTn id="1" dur="indefinite" restart="never" nodeType="tmRoot"/>
+      </p:par>
+    </p:tnLst>
+  </p:timing>
+</p:sld>
+</file>
+
+<file path=ppt/slides/slide14.xml><?xml version="1.0" encoding="utf-8"?>
+<p:sld xmlns:a="http://schemas.openxmlformats.org/drawingml/2006/main" xmlns:r="http://schemas.openxmlformats.org/officeDocument/2006/relationships" xmlns:p="http://schemas.openxmlformats.org/presentationml/2006/main">
+  <p:cSld>
+    <p:spTree>
+      <p:nvGrpSpPr>
+        <p:cNvPr id="1" name=""/>
+        <p:cNvGrpSpPr/>
+        <p:nvPr/>
+      </p:nvGrpSpPr>
+      <p:grpSpPr>
+        <a:xfrm>
+          <a:off x="0" y="0"/>
+          <a:ext cx="0" cy="0"/>
+          <a:chOff x="0" y="0"/>
+          <a:chExt cx="0" cy="0"/>
+        </a:xfrm>
+      </p:grpSpPr>
+      <p:sp>
+        <p:nvSpPr>
+          <p:cNvPr id="5" name="內容版面配置區 4"/>
+          <p:cNvSpPr>
+            <a:spLocks noGrp="1"/>
+          </p:cNvSpPr>
+          <p:nvPr>
+            <p:ph idx="1"/>
+          </p:nvPr>
+        </p:nvSpPr>
+        <p:spPr>
+          <a:xfrm>
+            <a:off x="0" y="2084851"/>
+            <a:ext cx="12192000" cy="2404863"/>
+          </a:xfrm>
+        </p:spPr>
+        <p:txBody>
+          <a:bodyPr anchor="ctr">
+            <a:normAutofit/>
+          </a:bodyPr>
+          <a:lstStyle/>
+          <a:p>
+            <a:pPr marL="0" indent="0" algn="ctr">
+              <a:buNone/>
+            </a:pPr>
+            <a:r>
+              <a:rPr lang="zh-TW" altLang="en-US" sz="6400" b="1" dirty="0" smtClean="0">
+                <a:solidFill>
+                  <a:srgbClr val="660033"/>
+                </a:solidFill>
+                <a:latin typeface="Microsoft JhengHei" panose="020B0604030504040204" pitchFamily="34" charset="-120"/>
+                <a:ea typeface="Microsoft JhengHei" panose="020B0604030504040204" pitchFamily="34" charset="-120"/>
+              </a:rPr>
+              <a:t>我們樂遵主命將福音傳開</a:t>
+            </a:r>
+          </a:p>
+          <a:p>
+            <a:pPr marL="0" indent="0" algn="ctr">
+              <a:buNone/>
+            </a:pPr>
+            <a:r>
+              <a:rPr lang="zh-TW" altLang="en-US" sz="6400" b="1" dirty="0" smtClean="0">
+                <a:solidFill>
+                  <a:srgbClr val="660033"/>
+                </a:solidFill>
+                <a:latin typeface="Microsoft JhengHei" panose="020B0604030504040204" pitchFamily="34" charset="-120"/>
+                <a:ea typeface="Microsoft JhengHei" panose="020B0604030504040204" pitchFamily="34" charset="-120"/>
+              </a:rPr>
+              <a:t>速發光  速發光</a:t>
+            </a:r>
+            <a:endParaRPr lang="en-US" altLang="zh-TW" sz="6400" b="1" dirty="0">
+              <a:solidFill>
+                <a:srgbClr val="660033"/>
+              </a:solidFill>
+              <a:latin typeface="Microsoft JhengHei" panose="020B0604030504040204" pitchFamily="34" charset="-120"/>
+              <a:ea typeface="Microsoft JhengHei" panose="020B0604030504040204" pitchFamily="34" charset="-120"/>
+            </a:endParaRPr>
+          </a:p>
+        </p:txBody>
+      </p:sp>
+      <p:sp>
+        <p:nvSpPr>
+          <p:cNvPr id="3" name="TextBox 2"/>
+          <p:cNvSpPr txBox="1"/>
+          <p:nvPr/>
+        </p:nvSpPr>
+        <p:spPr>
+          <a:xfrm>
+            <a:off x="0" y="5238763"/>
+            <a:ext cx="12192000" cy="861775"/>
+          </a:xfrm>
+          <a:prstGeom prst="rect">
+            <a:avLst/>
+          </a:prstGeom>
+          <a:noFill/>
+        </p:spPr>
+        <p:txBody>
+          <a:bodyPr wrap="square" lIns="121917" tIns="60958" rIns="121917" bIns="60958" rtlCol="0">
+            <a:spAutoFit/>
+          </a:bodyPr>
+          <a:lstStyle/>
+          <a:p>
+            <a:pPr algn="ctr"/>
+            <a:r>
+              <a:rPr lang="en-US" sz="4800" b="1" dirty="0" smtClean="0">
+                <a:solidFill>
+                  <a:srgbClr val="660033"/>
+                </a:solidFill>
+              </a:rPr>
+              <a:t>( 4 )</a:t>
+            </a:r>
+            <a:endParaRPr lang="vi-VN" sz="4800" b="1" dirty="0">
+              <a:solidFill>
+                <a:srgbClr val="660033"/>
+              </a:solidFill>
+            </a:endParaRPr>
+          </a:p>
+        </p:txBody>
+      </p:sp>
+    </p:spTree>
+    <p:extLst>
+      <p:ext uri="{BB962C8B-B14F-4D97-AF65-F5344CB8AC3E}">
+        <p14:creationId xmlns:p14="http://schemas.microsoft.com/office/powerpoint/2010/main" xmlns="" val="399046055"/>
+      </p:ext>
+    </p:extLst>
+  </p:cSld>
+  <p:clrMapOvr>
+    <a:masterClrMapping/>
+  </p:clrMapOvr>
+  <p:timing>
+    <p:tnLst>
+      <p:par>
+        <p:cTn id="1" dur="indefinite" restart="never" nodeType="tmRoot"/>
+      </p:par>
+    </p:tnLst>
+  </p:timing>
+</p:sld>
+</file>
+
+<file path=ppt/slides/slide15.xml><?xml version="1.0" encoding="utf-8"?>
+<p:sld xmlns:a="http://schemas.openxmlformats.org/drawingml/2006/main" xmlns:r="http://schemas.openxmlformats.org/officeDocument/2006/relationships" xmlns:p="http://schemas.openxmlformats.org/presentationml/2006/main">
+  <p:cSld>
+    <p:spTree>
+      <p:nvGrpSpPr>
+        <p:cNvPr id="1" name=""/>
+        <p:cNvGrpSpPr/>
+        <p:nvPr/>
+      </p:nvGrpSpPr>
+      <p:grpSpPr>
+        <a:xfrm>
+          <a:off x="0" y="0"/>
+          <a:ext cx="0" cy="0"/>
+          <a:chOff x="0" y="0"/>
+          <a:chExt cx="0" cy="0"/>
+        </a:xfrm>
+      </p:grpSpPr>
+      <p:sp>
+        <p:nvSpPr>
+          <p:cNvPr id="5" name="內容版面配置區 4"/>
+          <p:cNvSpPr>
+            <a:spLocks noGrp="1"/>
+          </p:cNvSpPr>
+          <p:nvPr>
+            <p:ph idx="1"/>
+          </p:nvPr>
+        </p:nvSpPr>
+        <p:spPr>
+          <a:xfrm>
+            <a:off x="0" y="2084851"/>
+            <a:ext cx="12192000" cy="2404863"/>
+          </a:xfrm>
+        </p:spPr>
+        <p:txBody>
+          <a:bodyPr anchor="ctr">
+            <a:normAutofit/>
+          </a:bodyPr>
+          <a:lstStyle/>
+          <a:p>
+            <a:pPr marL="0" indent="0" algn="ctr">
+              <a:buNone/>
+            </a:pPr>
+            <a:r>
+              <a:rPr lang="zh-TW" altLang="en-US" sz="6400" b="1" dirty="0" smtClean="0">
+                <a:solidFill>
+                  <a:srgbClr val="660033"/>
+                </a:solidFill>
+                <a:latin typeface="Microsoft JhengHei" panose="020B0604030504040204" pitchFamily="34" charset="-120"/>
+                <a:ea typeface="Microsoft JhengHei" panose="020B0604030504040204" pitchFamily="34" charset="-120"/>
+                <a:sym typeface="+mn-ea"/>
+              </a:rPr>
+              <a:t>發揚真神聖道顯基督仁愛</a:t>
+            </a:r>
+          </a:p>
+          <a:p>
+            <a:pPr marL="0" indent="0" algn="ctr">
+              <a:buNone/>
+            </a:pPr>
+            <a:r>
+              <a:rPr lang="zh-TW" altLang="en-US" sz="6400" b="1" dirty="0" smtClean="0">
+                <a:solidFill>
+                  <a:srgbClr val="660033"/>
+                </a:solidFill>
+                <a:latin typeface="Microsoft JhengHei" panose="020B0604030504040204" pitchFamily="34" charset="-120"/>
+                <a:ea typeface="Microsoft JhengHei" panose="020B0604030504040204" pitchFamily="34" charset="-120"/>
+                <a:sym typeface="+mn-ea"/>
+              </a:rPr>
+              <a:t>速發光  須速發光</a:t>
+            </a:r>
+            <a:endParaRPr lang="en-US" altLang="zh-TW" sz="6400" b="1" dirty="0">
+              <a:solidFill>
+                <a:srgbClr val="660033"/>
+              </a:solidFill>
+              <a:latin typeface="Microsoft JhengHei" panose="020B0604030504040204" pitchFamily="34" charset="-120"/>
+              <a:ea typeface="Microsoft JhengHei" panose="020B0604030504040204" pitchFamily="34" charset="-120"/>
+            </a:endParaRPr>
+          </a:p>
+        </p:txBody>
+      </p:sp>
+      <p:sp>
+        <p:nvSpPr>
+          <p:cNvPr id="3" name="TextBox 2"/>
+          <p:cNvSpPr txBox="1"/>
+          <p:nvPr/>
+        </p:nvSpPr>
+        <p:spPr>
+          <a:xfrm>
+            <a:off x="0" y="5238763"/>
+            <a:ext cx="12192000" cy="861775"/>
+          </a:xfrm>
+          <a:prstGeom prst="rect">
+            <a:avLst/>
+          </a:prstGeom>
+          <a:noFill/>
+        </p:spPr>
+        <p:txBody>
+          <a:bodyPr wrap="square" lIns="121917" tIns="60958" rIns="121917" bIns="60958" rtlCol="0">
+            <a:spAutoFit/>
+          </a:bodyPr>
+          <a:lstStyle/>
+          <a:p>
+            <a:pPr algn="ctr"/>
+            <a:r>
+              <a:rPr lang="en-US" sz="4800" b="1" dirty="0" smtClean="0">
+                <a:solidFill>
+                  <a:srgbClr val="660033"/>
+                </a:solidFill>
+              </a:rPr>
+              <a:t>( 4 )</a:t>
+            </a:r>
+            <a:endParaRPr lang="vi-VN" sz="4800" b="1" dirty="0">
+              <a:solidFill>
+                <a:srgbClr val="660033"/>
+              </a:solidFill>
+            </a:endParaRPr>
+          </a:p>
+        </p:txBody>
+      </p:sp>
+    </p:spTree>
+    <p:extLst>
+      <p:ext uri="{BB962C8B-B14F-4D97-AF65-F5344CB8AC3E}">
+        <p14:creationId xmlns:p14="http://schemas.microsoft.com/office/powerpoint/2010/main" xmlns="" val="399046055"/>
+      </p:ext>
+    </p:extLst>
+  </p:cSld>
+  <p:clrMapOvr>
+    <a:masterClrMapping/>
+  </p:clrMapOvr>
+  <p:timing>
+    <p:tnLst>
+      <p:par>
+        <p:cTn id="1" dur="indefinite" restart="never" nodeType="tmRoot"/>
+      </p:par>
+    </p:tnLst>
+  </p:timing>
+</p:sld>
+</file>
+
+<file path=ppt/slides/slide16.xml><?xml version="1.0" encoding="utf-8"?>
+<p:sld xmlns:a="http://schemas.openxmlformats.org/drawingml/2006/main" xmlns:r="http://schemas.openxmlformats.org/officeDocument/2006/relationships" xmlns:p="http://schemas.openxmlformats.org/presentationml/2006/main">
+  <p:cSld>
+    <p:spTree>
+      <p:nvGrpSpPr>
+        <p:cNvPr id="1" name=""/>
+        <p:cNvGrpSpPr/>
+        <p:nvPr/>
+      </p:nvGrpSpPr>
+      <p:grpSpPr>
+        <a:xfrm>
+          <a:off x="0" y="0"/>
+          <a:ext cx="0" cy="0"/>
+          <a:chOff x="0" y="0"/>
+          <a:chExt cx="0" cy="0"/>
+        </a:xfrm>
+      </p:grpSpPr>
+      <p:sp>
+        <p:nvSpPr>
+          <p:cNvPr id="5" name="內容版面配置區 4"/>
+          <p:cNvSpPr>
+            <a:spLocks noGrp="1"/>
+          </p:cNvSpPr>
+          <p:nvPr>
+            <p:ph idx="1"/>
+          </p:nvPr>
+        </p:nvSpPr>
+        <p:spPr>
+          <a:xfrm>
+            <a:off x="0" y="2084851"/>
+            <a:ext cx="12192000" cy="2404863"/>
+          </a:xfrm>
+        </p:spPr>
+        <p:txBody>
+          <a:bodyPr anchor="ctr">
+            <a:normAutofit/>
+          </a:bodyPr>
+          <a:lstStyle/>
+          <a:p>
+            <a:pPr marL="0" indent="0" algn="ctr">
+              <a:buNone/>
+            </a:pPr>
+            <a:r>
+              <a:rPr lang="zh-TW" altLang="en-US" sz="6400" b="1" dirty="0" smtClean="0">
+                <a:solidFill>
+                  <a:srgbClr val="660033"/>
+                </a:solidFill>
+                <a:latin typeface="Microsoft JhengHei" pitchFamily="34" charset="-120"/>
+                <a:ea typeface="Microsoft JhengHei" pitchFamily="34" charset="-120"/>
+                <a:sym typeface="+mn-ea"/>
+              </a:rPr>
+              <a:t>速發光  速發福音真光</a:t>
+            </a:r>
+          </a:p>
+          <a:p>
+            <a:pPr marL="0" indent="0" algn="ctr">
+              <a:buNone/>
+            </a:pPr>
+            <a:r>
+              <a:rPr lang="zh-TW" altLang="en-US" sz="6400" b="1" dirty="0" smtClean="0">
+                <a:solidFill>
+                  <a:srgbClr val="660033"/>
+                </a:solidFill>
+                <a:latin typeface="Microsoft JhengHei" pitchFamily="34" charset="-120"/>
+                <a:ea typeface="Microsoft JhengHei" pitchFamily="34" charset="-120"/>
+                <a:sym typeface="+mn-ea"/>
+              </a:rPr>
+              <a:t>速</a:t>
+            </a:r>
+            <a:r>
+              <a:rPr lang="zh-CN" altLang="en-US" sz="6400" b="1" dirty="0" smtClean="0">
+                <a:solidFill>
+                  <a:srgbClr val="660033"/>
+                </a:solidFill>
+                <a:latin typeface="Microsoft JhengHei" pitchFamily="34" charset="-120"/>
+                <a:ea typeface="Microsoft JhengHei" pitchFamily="34" charset="-120"/>
+                <a:sym typeface="+mn-ea"/>
+              </a:rPr>
+              <a:t>照</a:t>
+            </a:r>
+            <a:r>
+              <a:rPr lang="zh-TW" altLang="en-US" sz="6400" b="1" dirty="0" smtClean="0">
+                <a:solidFill>
+                  <a:srgbClr val="660033"/>
+                </a:solidFill>
+                <a:latin typeface="Microsoft JhengHei" pitchFamily="34" charset="-120"/>
+                <a:ea typeface="Microsoft JhengHei" pitchFamily="34" charset="-120"/>
+                <a:sym typeface="+mn-ea"/>
+              </a:rPr>
+              <a:t>亮  幽暗昏沉地方</a:t>
+            </a:r>
+          </a:p>
+        </p:txBody>
+      </p:sp>
+    </p:spTree>
+    <p:extLst>
+      <p:ext uri="{BB962C8B-B14F-4D97-AF65-F5344CB8AC3E}">
+        <p14:creationId xmlns:p14="http://schemas.microsoft.com/office/powerpoint/2010/main" xmlns="" val="399046055"/>
+      </p:ext>
+    </p:extLst>
+  </p:cSld>
+  <p:clrMapOvr>
+    <a:masterClrMapping/>
+  </p:clrMapOvr>
+  <p:timing>
+    <p:tnLst>
+      <p:par>
+        <p:cTn id="1" dur="indefinite" restart="never" nodeType="tmRoot"/>
+      </p:par>
+    </p:tnLst>
+  </p:timing>
+</p:sld>
+</file>
+
+<file path=ppt/slides/slide17.xml><?xml version="1.0" encoding="utf-8"?>
+<p:sld xmlns:a="http://schemas.openxmlformats.org/drawingml/2006/main" xmlns:r="http://schemas.openxmlformats.org/officeDocument/2006/relationships" xmlns:p="http://schemas.openxmlformats.org/presentationml/2006/main">
+  <p:cSld>
+    <p:spTree>
+      <p:nvGrpSpPr>
+        <p:cNvPr id="1" name=""/>
+        <p:cNvGrpSpPr/>
+        <p:nvPr/>
+      </p:nvGrpSpPr>
+      <p:grpSpPr>
+        <a:xfrm>
+          <a:off x="0" y="0"/>
+          <a:ext cx="0" cy="0"/>
+          <a:chOff x="0" y="0"/>
+          <a:chExt cx="0" cy="0"/>
+        </a:xfrm>
+      </p:grpSpPr>
+      <p:sp>
+        <p:nvSpPr>
+          <p:cNvPr id="5" name="內容版面配置區 4"/>
+          <p:cNvSpPr>
+            <a:spLocks noGrp="1"/>
+          </p:cNvSpPr>
+          <p:nvPr>
+            <p:ph idx="1"/>
+          </p:nvPr>
+        </p:nvSpPr>
+        <p:spPr>
+          <a:xfrm>
+            <a:off x="0" y="2084851"/>
+            <a:ext cx="12192000" cy="2404863"/>
+          </a:xfrm>
+        </p:spPr>
+        <p:txBody>
+          <a:bodyPr anchor="ctr">
+            <a:normAutofit/>
+          </a:bodyPr>
+          <a:lstStyle/>
+          <a:p>
+            <a:pPr marL="0" indent="0" algn="ctr">
+              <a:buNone/>
+            </a:pPr>
+            <a:r>
+              <a:rPr lang="zh-TW" altLang="en-US" sz="6400" b="1" dirty="0" smtClean="0">
+                <a:solidFill>
+                  <a:srgbClr val="660033"/>
+                </a:solidFill>
+                <a:latin typeface="Microsoft JhengHei" pitchFamily="34" charset="-120"/>
+                <a:ea typeface="Microsoft JhengHei" pitchFamily="34" charset="-120"/>
+                <a:sym typeface="+mn-ea"/>
+              </a:rPr>
+              <a:t>田禾成熟  宜收斂入倉</a:t>
+            </a:r>
+          </a:p>
+          <a:p>
+            <a:pPr marL="0" indent="0" algn="ctr">
+              <a:buNone/>
+            </a:pPr>
+            <a:r>
+              <a:rPr lang="zh-TW" altLang="en-US" sz="6400" b="1" dirty="0" smtClean="0">
+                <a:solidFill>
+                  <a:srgbClr val="660033"/>
+                </a:solidFill>
+                <a:latin typeface="Microsoft JhengHei" pitchFamily="34" charset="-120"/>
+                <a:ea typeface="Microsoft JhengHei" pitchFamily="34" charset="-120"/>
+                <a:sym typeface="+mn-ea"/>
+              </a:rPr>
+              <a:t>速發光  須速發光</a:t>
+            </a:r>
+          </a:p>
+        </p:txBody>
+      </p:sp>
+    </p:spTree>
+    <p:extLst>
+      <p:ext uri="{BB962C8B-B14F-4D97-AF65-F5344CB8AC3E}">
+        <p14:creationId xmlns:p14="http://schemas.microsoft.com/office/powerpoint/2010/main" xmlns="" val="399046055"/>
+      </p:ext>
+    </p:extLst>
+  </p:cSld>
+  <p:clrMapOvr>
+    <a:masterClrMapping/>
+  </p:clrMapOvr>
+  <p:timing>
+    <p:tnLst>
+      <p:par>
+        <p:cTn id="1" dur="indefinite" restart="never" nodeType="tmRoot"/>
+      </p:par>
+    </p:tnLst>
+  </p:timing>
 </p:sld>
 </file>
 
@@ -4055,239 +4892,120 @@
       </p:grpSpPr>
       <p:sp>
         <p:nvSpPr>
-          <p:cNvPr id="4" name="Title 3"/>
-          <p:cNvSpPr>
-            <a:spLocks noGrp="1"/>
-          </p:cNvSpPr>
-          <p:nvPr>
-            <p:ph type="title"/>
-          </p:nvPr>
-        </p:nvSpPr>
-        <p:spPr/>
-        <p:txBody>
-          <a:bodyPr>
+          <p:cNvPr id="5" name="內容版面配置區 4"/>
+          <p:cNvSpPr>
+            <a:spLocks noGrp="1"/>
+          </p:cNvSpPr>
+          <p:nvPr>
+            <p:ph idx="1"/>
+          </p:nvPr>
+        </p:nvSpPr>
+        <p:spPr>
+          <a:xfrm>
+            <a:off x="0" y="2084851"/>
+            <a:ext cx="12192000" cy="2404863"/>
+          </a:xfrm>
+        </p:spPr>
+        <p:txBody>
+          <a:bodyPr anchor="ctr">
             <a:normAutofit/>
           </a:bodyPr>
           <a:lstStyle/>
           <a:p>
-            <a:r>
-              <a:rPr lang="en-US" altLang="zh-CN" sz="4800" b="1" dirty="0">
-                <a:solidFill>
-                  <a:srgbClr val="002060"/>
-                </a:solidFill>
-                <a:latin typeface="Microsoft JhengHei" panose="020B0604030504040204" pitchFamily="34" charset="-120"/>
-                <a:ea typeface="Microsoft JhengHei" panose="020B0604030504040204" pitchFamily="34" charset="-120"/>
+            <a:pPr marL="0" indent="0" algn="ctr">
+              <a:buNone/>
+            </a:pPr>
+            <a:r>
+              <a:rPr lang="zh-TW" altLang="en-US" sz="6400" b="1" dirty="0" smtClean="0">
+                <a:solidFill>
+                  <a:srgbClr val="660033"/>
+                </a:solidFill>
+                <a:latin typeface="Microsoft JhengHei" pitchFamily="34" charset="-120"/>
+                <a:ea typeface="Microsoft JhengHei" pitchFamily="34" charset="-120"/>
               </a:rPr>
-              <a:t>【</a:t>
-            </a:r>
-            <a:r>
-              <a:rPr lang="zh-CN" altLang="en-US" sz="4800" b="1" dirty="0">
-                <a:solidFill>
-                  <a:srgbClr val="002060"/>
-                </a:solidFill>
-                <a:latin typeface="Microsoft JhengHei" panose="020B0604030504040204" pitchFamily="34" charset="-120"/>
-                <a:ea typeface="Microsoft JhengHei" panose="020B0604030504040204" pitchFamily="34" charset="-120"/>
+              <a:t>千萬人寄生罪中如陷深海</a:t>
+            </a:r>
+          </a:p>
+          <a:p>
+            <a:pPr marL="0" indent="0" algn="ctr">
+              <a:buNone/>
+            </a:pPr>
+            <a:r>
+              <a:rPr lang="zh-TW" altLang="en-US" sz="6400" b="1" dirty="0" smtClean="0">
+                <a:solidFill>
+                  <a:srgbClr val="660033"/>
+                </a:solidFill>
+                <a:latin typeface="Microsoft JhengHei" pitchFamily="34" charset="-120"/>
+                <a:ea typeface="Microsoft JhengHei" pitchFamily="34" charset="-120"/>
               </a:rPr>
-              <a:t>速發光</a:t>
-            </a:r>
-            <a:r>
-              <a:rPr lang="en-US" altLang="zh-CN" sz="4800" b="1" dirty="0">
-                <a:solidFill>
-                  <a:srgbClr val="002060"/>
-                </a:solidFill>
-                <a:latin typeface="Microsoft JhengHei" panose="020B0604030504040204" pitchFamily="34" charset="-120"/>
-                <a:ea typeface="Microsoft JhengHei" panose="020B0604030504040204" pitchFamily="34" charset="-120"/>
+              <a:t>速發光  速發光</a:t>
+            </a:r>
+            <a:endParaRPr lang="en-US" altLang="zh-TW" sz="6400" b="1" dirty="0" smtClean="0">
+              <a:solidFill>
+                <a:srgbClr val="660033"/>
+              </a:solidFill>
+              <a:latin typeface="Microsoft JhengHei" pitchFamily="34" charset="-120"/>
+              <a:ea typeface="Microsoft JhengHei" pitchFamily="34" charset="-120"/>
+            </a:endParaRPr>
+          </a:p>
+        </p:txBody>
+      </p:sp>
+      <p:sp>
+        <p:nvSpPr>
+          <p:cNvPr id="3" name="TextBox 2"/>
+          <p:cNvSpPr txBox="1"/>
+          <p:nvPr/>
+        </p:nvSpPr>
+        <p:spPr>
+          <a:xfrm>
+            <a:off x="0" y="5238763"/>
+            <a:ext cx="12192000" cy="861775"/>
+          </a:xfrm>
+          <a:prstGeom prst="rect">
+            <a:avLst/>
+          </a:prstGeom>
+          <a:noFill/>
+        </p:spPr>
+        <p:txBody>
+          <a:bodyPr wrap="square" lIns="121917" tIns="60958" rIns="121917" bIns="60958" rtlCol="0">
+            <a:spAutoFit/>
+          </a:bodyPr>
+          <a:lstStyle/>
+          <a:p>
+            <a:pPr algn="ctr"/>
+            <a:r>
+              <a:rPr lang="en-US" sz="4800" b="1" dirty="0" smtClean="0">
+                <a:solidFill>
+                  <a:srgbClr val="660033"/>
+                </a:solidFill>
               </a:rPr>
-              <a:t>】</a:t>
-            </a:r>
-            <a:endParaRPr lang="zh-CN" altLang="en-US" sz="4800" b="1" dirty="0">
+              <a:t>( 1 )</a:t>
+            </a:r>
+            <a:endParaRPr lang="vi-VN" sz="4800" b="1" dirty="0">
               <a:solidFill>
-                <a:srgbClr val="002060"/>
+                <a:srgbClr val="660033"/>
               </a:solidFill>
-              <a:latin typeface="Microsoft JhengHei" panose="020B0604030504040204" pitchFamily="34" charset="-120"/>
-              <a:ea typeface="Microsoft JhengHei" panose="020B0604030504040204" pitchFamily="34" charset="-120"/>
             </a:endParaRPr>
-          </a:p>
-        </p:txBody>
-      </p:sp>
-      <p:sp>
-        <p:nvSpPr>
-          <p:cNvPr id="5" name="Content Placeholder 4"/>
-          <p:cNvSpPr>
-            <a:spLocks noGrp="1"/>
-          </p:cNvSpPr>
-          <p:nvPr>
-            <p:ph idx="1"/>
-          </p:nvPr>
-        </p:nvSpPr>
-        <p:spPr/>
-        <p:txBody>
-          <a:bodyPr>
-            <a:normAutofit/>
-          </a:bodyPr>
-          <a:lstStyle/>
-          <a:p>
-            <a:pPr marL="0" indent="0" algn="ctr">
-              <a:buNone/>
-            </a:pPr>
-            <a:r>
-              <a:rPr lang="zh-TW" altLang="en-US" sz="5400" b="1" dirty="0">
-                <a:solidFill>
-                  <a:srgbClr val="002060"/>
-                </a:solidFill>
-                <a:latin typeface="Microsoft JhengHei" panose="020B0604030504040204" pitchFamily="34" charset="-120"/>
-                <a:ea typeface="Microsoft JhengHei" panose="020B0604030504040204" pitchFamily="34" charset="-120"/>
-              </a:rPr>
-              <a:t>速發</a:t>
-            </a:r>
-            <a:r>
-              <a:rPr lang="zh-TW" altLang="en-US" sz="5400" b="1" dirty="0">
-                <a:solidFill>
-                  <a:srgbClr val="002060"/>
-                </a:solidFill>
-                <a:latin typeface="Microsoft JhengHei" panose="020B0604030504040204" pitchFamily="34" charset="-120"/>
-                <a:ea typeface="Microsoft JhengHei" panose="020B0604030504040204" pitchFamily="34" charset="-120"/>
-              </a:rPr>
-              <a:t>光  速</a:t>
-            </a:r>
-            <a:r>
-              <a:rPr lang="zh-TW" altLang="en-US" sz="5400" b="1" dirty="0">
-                <a:solidFill>
-                  <a:srgbClr val="002060"/>
-                </a:solidFill>
-                <a:latin typeface="Microsoft JhengHei" panose="020B0604030504040204" pitchFamily="34" charset="-120"/>
-                <a:ea typeface="Microsoft JhengHei" panose="020B0604030504040204" pitchFamily="34" charset="-120"/>
-              </a:rPr>
-              <a:t>發福音真光</a:t>
-            </a:r>
-          </a:p>
-          <a:p>
-            <a:pPr marL="0" indent="0" algn="ctr">
-              <a:buNone/>
-            </a:pPr>
-            <a:r>
-              <a:rPr lang="zh-TW" altLang="en-US" sz="5400" b="1" dirty="0">
-                <a:solidFill>
-                  <a:srgbClr val="002060"/>
-                </a:solidFill>
-                <a:latin typeface="Microsoft JhengHei" panose="020B0604030504040204" pitchFamily="34" charset="-120"/>
-                <a:ea typeface="Microsoft JhengHei" panose="020B0604030504040204" pitchFamily="34" charset="-120"/>
-              </a:rPr>
-              <a:t>速</a:t>
-            </a:r>
-            <a:r>
-              <a:rPr lang="zh-CN" altLang="en-US" sz="5400" b="1" dirty="0">
-                <a:solidFill>
-                  <a:srgbClr val="002060"/>
-                </a:solidFill>
-                <a:latin typeface="Microsoft JhengHei" panose="020B0604030504040204" pitchFamily="34" charset="-120"/>
-                <a:ea typeface="Microsoft JhengHei" panose="020B0604030504040204" pitchFamily="34" charset="-120"/>
-              </a:rPr>
-              <a:t>照</a:t>
-            </a:r>
-            <a:r>
-              <a:rPr lang="zh-TW" altLang="en-US" sz="5400" b="1" dirty="0">
-                <a:solidFill>
-                  <a:srgbClr val="002060"/>
-                </a:solidFill>
-                <a:latin typeface="Microsoft JhengHei" panose="020B0604030504040204" pitchFamily="34" charset="-120"/>
-                <a:ea typeface="Microsoft JhengHei" panose="020B0604030504040204" pitchFamily="34" charset="-120"/>
-              </a:rPr>
-              <a:t>亮  幽</a:t>
-            </a:r>
-            <a:r>
-              <a:rPr lang="zh-TW" altLang="en-US" sz="5400" b="1" dirty="0">
-                <a:solidFill>
-                  <a:srgbClr val="002060"/>
-                </a:solidFill>
-                <a:latin typeface="Microsoft JhengHei" panose="020B0604030504040204" pitchFamily="34" charset="-120"/>
-                <a:ea typeface="Microsoft JhengHei" panose="020B0604030504040204" pitchFamily="34" charset="-120"/>
-              </a:rPr>
-              <a:t>暗昏沉地方</a:t>
-            </a:r>
-          </a:p>
-          <a:p>
-            <a:pPr marL="0" indent="0" algn="ctr">
-              <a:buNone/>
-            </a:pPr>
-            <a:r>
-              <a:rPr lang="zh-TW" altLang="en-US" sz="5400" b="1" dirty="0">
-                <a:solidFill>
-                  <a:srgbClr val="002060"/>
-                </a:solidFill>
-                <a:latin typeface="Microsoft JhengHei" panose="020B0604030504040204" pitchFamily="34" charset="-120"/>
-                <a:ea typeface="Microsoft JhengHei" panose="020B0604030504040204" pitchFamily="34" charset="-120"/>
-              </a:rPr>
-              <a:t>田禾成</a:t>
-            </a:r>
-            <a:r>
-              <a:rPr lang="zh-TW" altLang="en-US" sz="5400" b="1" dirty="0">
-                <a:solidFill>
-                  <a:srgbClr val="002060"/>
-                </a:solidFill>
-                <a:latin typeface="Microsoft JhengHei" panose="020B0604030504040204" pitchFamily="34" charset="-120"/>
-                <a:ea typeface="Microsoft JhengHei" panose="020B0604030504040204" pitchFamily="34" charset="-120"/>
-              </a:rPr>
-              <a:t>熟  宜</a:t>
-            </a:r>
-            <a:r>
-              <a:rPr lang="zh-TW" altLang="en-US" sz="5400" b="1" dirty="0">
-                <a:solidFill>
-                  <a:srgbClr val="002060"/>
-                </a:solidFill>
-                <a:latin typeface="Microsoft JhengHei" panose="020B0604030504040204" pitchFamily="34" charset="-120"/>
-                <a:ea typeface="Microsoft JhengHei" panose="020B0604030504040204" pitchFamily="34" charset="-120"/>
-              </a:rPr>
-              <a:t>收斂入倉</a:t>
-            </a:r>
-          </a:p>
-          <a:p>
-            <a:pPr marL="0" indent="0" algn="ctr">
-              <a:buNone/>
-            </a:pPr>
-            <a:r>
-              <a:rPr lang="zh-TW" altLang="en-US" sz="5400" b="1" dirty="0">
-                <a:solidFill>
-                  <a:srgbClr val="002060"/>
-                </a:solidFill>
-                <a:latin typeface="Microsoft JhengHei" panose="020B0604030504040204" pitchFamily="34" charset="-120"/>
-                <a:ea typeface="Microsoft JhengHei" panose="020B0604030504040204" pitchFamily="34" charset="-120"/>
-              </a:rPr>
-              <a:t>速發</a:t>
-            </a:r>
-            <a:r>
-              <a:rPr lang="zh-TW" altLang="en-US" sz="5400" b="1" dirty="0">
-                <a:solidFill>
-                  <a:srgbClr val="002060"/>
-                </a:solidFill>
-                <a:latin typeface="Microsoft JhengHei" panose="020B0604030504040204" pitchFamily="34" charset="-120"/>
-                <a:ea typeface="Microsoft JhengHei" panose="020B0604030504040204" pitchFamily="34" charset="-120"/>
-              </a:rPr>
-              <a:t>光  須</a:t>
-            </a:r>
-            <a:r>
-              <a:rPr lang="zh-TW" altLang="en-US" sz="5400" b="1" dirty="0">
-                <a:solidFill>
-                  <a:srgbClr val="002060"/>
-                </a:solidFill>
-                <a:latin typeface="Microsoft JhengHei" panose="020B0604030504040204" pitchFamily="34" charset="-120"/>
-                <a:ea typeface="Microsoft JhengHei" panose="020B0604030504040204" pitchFamily="34" charset="-120"/>
-              </a:rPr>
-              <a:t>速發光</a:t>
-            </a:r>
           </a:p>
         </p:txBody>
       </p:sp>
     </p:spTree>
     <p:extLst>
       <p:ext uri="{BB962C8B-B14F-4D97-AF65-F5344CB8AC3E}">
-        <p14:creationId xmlns:p14="http://schemas.microsoft.com/office/powerpoint/2010/main" val="1771809932"/>
+        <p14:creationId xmlns:p14="http://schemas.microsoft.com/office/powerpoint/2010/main" xmlns="" val="399046055"/>
       </p:ext>
     </p:extLst>
   </p:cSld>
   <p:clrMapOvr>
     <a:masterClrMapping/>
   </p:clrMapOvr>
+  <p:timing>
+    <p:tnLst>
+      <p:par>
+        <p:cTn id="1" dur="indefinite" restart="never" nodeType="tmRoot"/>
+      </p:par>
+    </p:tnLst>
+  </p:timing>
 </p:sld>
 </file>
 
@@ -4310,307 +5028,107 @@
       </p:grpSpPr>
       <p:sp>
         <p:nvSpPr>
-          <p:cNvPr id="4" name="Title 3"/>
-          <p:cNvSpPr>
-            <a:spLocks noGrp="1"/>
-          </p:cNvSpPr>
-          <p:nvPr>
-            <p:ph type="title"/>
-          </p:nvPr>
-        </p:nvSpPr>
-        <p:spPr/>
-        <p:txBody>
-          <a:bodyPr>
+          <p:cNvPr id="5" name="內容版面配置區 4"/>
+          <p:cNvSpPr>
+            <a:spLocks noGrp="1"/>
+          </p:cNvSpPr>
+          <p:nvPr>
+            <p:ph idx="1"/>
+          </p:nvPr>
+        </p:nvSpPr>
+        <p:spPr>
+          <a:xfrm>
+            <a:off x="0" y="2084851"/>
+            <a:ext cx="12192000" cy="2404863"/>
+          </a:xfrm>
+        </p:spPr>
+        <p:txBody>
+          <a:bodyPr anchor="ctr">
             <a:normAutofit/>
           </a:bodyPr>
           <a:lstStyle/>
           <a:p>
-            <a:r>
-              <a:rPr lang="en-US" altLang="zh-CN" sz="4800" b="1" dirty="0">
-                <a:solidFill>
-                  <a:srgbClr val="002060"/>
-                </a:solidFill>
-                <a:latin typeface="Microsoft JhengHei" panose="020B0604030504040204" pitchFamily="34" charset="-120"/>
-                <a:ea typeface="Microsoft JhengHei" panose="020B0604030504040204" pitchFamily="34" charset="-120"/>
-              </a:rPr>
-              <a:t>【</a:t>
-            </a:r>
-            <a:r>
-              <a:rPr lang="zh-CN" altLang="en-US" sz="4800" b="1" dirty="0">
-                <a:solidFill>
-                  <a:srgbClr val="002060"/>
-                </a:solidFill>
-                <a:latin typeface="Microsoft JhengHei" panose="020B0604030504040204" pitchFamily="34" charset="-120"/>
-                <a:ea typeface="Microsoft JhengHei" panose="020B0604030504040204" pitchFamily="34" charset="-120"/>
-              </a:rPr>
-              <a:t>速發光</a:t>
-            </a:r>
-            <a:r>
-              <a:rPr lang="en-US" altLang="zh-CN" sz="4800" b="1" dirty="0">
-                <a:solidFill>
-                  <a:srgbClr val="002060"/>
-                </a:solidFill>
-                <a:latin typeface="Microsoft JhengHei" panose="020B0604030504040204" pitchFamily="34" charset="-120"/>
-                <a:ea typeface="Microsoft JhengHei" panose="020B0604030504040204" pitchFamily="34" charset="-120"/>
-              </a:rPr>
-              <a:t>】</a:t>
-            </a:r>
-            <a:endParaRPr lang="zh-CN" altLang="en-US" sz="4800" b="1" dirty="0">
-              <a:solidFill>
-                <a:srgbClr val="002060"/>
-              </a:solidFill>
-              <a:latin typeface="Microsoft JhengHei" panose="020B0604030504040204" pitchFamily="34" charset="-120"/>
-              <a:ea typeface="Microsoft JhengHei" panose="020B0604030504040204" pitchFamily="34" charset="-120"/>
-            </a:endParaRPr>
-          </a:p>
-        </p:txBody>
-      </p:sp>
-      <p:sp>
-        <p:nvSpPr>
-          <p:cNvPr id="5" name="Content Placeholder 4"/>
-          <p:cNvSpPr>
-            <a:spLocks noGrp="1"/>
-          </p:cNvSpPr>
-          <p:nvPr>
-            <p:ph idx="1"/>
-          </p:nvPr>
-        </p:nvSpPr>
-        <p:spPr/>
-        <p:txBody>
-          <a:bodyPr>
-            <a:normAutofit/>
-          </a:bodyPr>
-          <a:lstStyle/>
-          <a:p>
             <a:pPr marL="0" indent="0" algn="ctr">
               <a:buNone/>
             </a:pPr>
             <a:r>
-              <a:rPr lang="zh-TW" altLang="en-US" sz="5400" b="1" dirty="0">
-                <a:solidFill>
-                  <a:srgbClr val="002060"/>
-                </a:solidFill>
-                <a:latin typeface="Microsoft JhengHei" panose="020B0604030504040204" pitchFamily="34" charset="-120"/>
-                <a:ea typeface="Microsoft JhengHei" panose="020B0604030504040204" pitchFamily="34" charset="-120"/>
-              </a:rPr>
-              <a:t>痛苦罪人急</a:t>
-            </a:r>
-            <a:r>
-              <a:rPr lang="zh-TW" altLang="en-US" sz="5400" b="1" dirty="0">
-                <a:solidFill>
-                  <a:srgbClr val="002060"/>
-                </a:solidFill>
-                <a:latin typeface="Microsoft JhengHei" panose="020B0604030504040204" pitchFamily="34" charset="-120"/>
-                <a:ea typeface="Microsoft JhengHei" panose="020B0604030504040204" pitchFamily="34" charset="-120"/>
-              </a:rPr>
-              <a:t>待福</a:t>
-            </a:r>
-            <a:r>
-              <a:rPr lang="zh-TW" altLang="en-US" sz="5400" b="1" dirty="0">
-                <a:solidFill>
-                  <a:srgbClr val="002060"/>
-                </a:solidFill>
-                <a:latin typeface="Microsoft JhengHei" panose="020B0604030504040204" pitchFamily="34" charset="-120"/>
-                <a:ea typeface="Microsoft JhengHei" panose="020B0604030504040204" pitchFamily="34" charset="-120"/>
-              </a:rPr>
-              <a:t>音施救濟</a:t>
-            </a:r>
-          </a:p>
-          <a:p>
-            <a:pPr marL="0" indent="0" algn="ctr">
-              <a:buNone/>
-            </a:pPr>
-            <a:r>
-              <a:rPr lang="zh-TW" altLang="en-US" sz="5400" b="1" dirty="0">
-                <a:solidFill>
-                  <a:srgbClr val="002060"/>
-                </a:solidFill>
-                <a:latin typeface="Microsoft JhengHei" panose="020B0604030504040204" pitchFamily="34" charset="-120"/>
-                <a:ea typeface="Microsoft JhengHei" panose="020B0604030504040204" pitchFamily="34" charset="-120"/>
-              </a:rPr>
-              <a:t>速發</a:t>
-            </a:r>
-            <a:r>
-              <a:rPr lang="zh-TW" altLang="en-US" sz="5400" b="1" dirty="0">
-                <a:solidFill>
-                  <a:srgbClr val="002060"/>
-                </a:solidFill>
-                <a:latin typeface="Microsoft JhengHei" panose="020B0604030504040204" pitchFamily="34" charset="-120"/>
-                <a:ea typeface="Microsoft JhengHei" panose="020B0604030504040204" pitchFamily="34" charset="-120"/>
-              </a:rPr>
-              <a:t>光  速</a:t>
-            </a:r>
-            <a:r>
-              <a:rPr lang="zh-TW" altLang="en-US" sz="5400" b="1" dirty="0">
-                <a:solidFill>
-                  <a:srgbClr val="002060"/>
-                </a:solidFill>
-                <a:latin typeface="Microsoft JhengHei" panose="020B0604030504040204" pitchFamily="34" charset="-120"/>
-                <a:ea typeface="Microsoft JhengHei" panose="020B0604030504040204" pitchFamily="34" charset="-120"/>
-              </a:rPr>
-              <a:t>發</a:t>
-            </a:r>
-            <a:r>
-              <a:rPr lang="zh-TW" altLang="en-US" sz="5400" b="1" dirty="0">
-                <a:solidFill>
-                  <a:srgbClr val="002060"/>
-                </a:solidFill>
-                <a:latin typeface="Microsoft JhengHei" panose="020B0604030504040204" pitchFamily="34" charset="-120"/>
-                <a:ea typeface="Microsoft JhengHei" panose="020B0604030504040204" pitchFamily="34" charset="-120"/>
-              </a:rPr>
-              <a:t>光</a:t>
-            </a:r>
-            <a:endParaRPr lang="en-US" altLang="zh-TW" sz="5400" b="1" dirty="0">
-              <a:solidFill>
-                <a:srgbClr val="002060"/>
-              </a:solidFill>
-              <a:latin typeface="Microsoft JhengHei" panose="020B0604030504040204" pitchFamily="34" charset="-120"/>
-              <a:ea typeface="Microsoft JhengHei" panose="020B0604030504040204" pitchFamily="34" charset="-120"/>
-            </a:endParaRPr>
-          </a:p>
-          <a:p>
-            <a:pPr marL="0" indent="0" algn="ctr">
-              <a:buNone/>
-            </a:pPr>
-            <a:r>
-              <a:rPr lang="zh-TW" altLang="en-US" sz="5400" b="1" dirty="0">
-                <a:solidFill>
-                  <a:srgbClr val="002060"/>
-                </a:solidFill>
-                <a:latin typeface="Microsoft JhengHei" panose="020B0604030504040204" pitchFamily="34" charset="-120"/>
-                <a:ea typeface="Microsoft JhengHei" panose="020B0604030504040204" pitchFamily="34" charset="-120"/>
+              <a:rPr lang="zh-TW" altLang="en-US" sz="6400" b="1" dirty="0" smtClean="0">
+                <a:solidFill>
+                  <a:srgbClr val="660033"/>
+                </a:solidFill>
+                <a:latin typeface="Microsoft JhengHei" pitchFamily="34" charset="-120"/>
+                <a:ea typeface="Microsoft JhengHei" pitchFamily="34" charset="-120"/>
                 <a:sym typeface="+mn-ea"/>
               </a:rPr>
-              <a:t>速傳真</a:t>
-            </a:r>
-            <a:r>
-              <a:rPr lang="zh-TW" altLang="en-US" sz="5400" b="1" dirty="0">
-                <a:solidFill>
-                  <a:srgbClr val="002060"/>
-                </a:solidFill>
-                <a:latin typeface="Microsoft JhengHei" panose="020B0604030504040204" pitchFamily="34" charset="-120"/>
-                <a:ea typeface="Microsoft JhengHei" panose="020B0604030504040204" pitchFamily="34" charset="-120"/>
+              <a:t>彼哀呼求救豈可旁觀立待</a:t>
+            </a:r>
+            <a:endParaRPr lang="zh-TW" altLang="en-US" sz="6400" b="1" dirty="0" smtClean="0">
+              <a:solidFill>
+                <a:srgbClr val="660033"/>
+              </a:solidFill>
+              <a:latin typeface="Microsoft JhengHei" pitchFamily="34" charset="-120"/>
+              <a:ea typeface="Microsoft JhengHei" pitchFamily="34" charset="-120"/>
+            </a:endParaRPr>
+          </a:p>
+          <a:p>
+            <a:pPr marL="0" indent="0" algn="ctr">
+              <a:buNone/>
+            </a:pPr>
+            <a:r>
+              <a:rPr lang="zh-TW" altLang="en-US" sz="6400" b="1" dirty="0" smtClean="0">
+                <a:solidFill>
+                  <a:srgbClr val="660033"/>
+                </a:solidFill>
+                <a:latin typeface="Microsoft JhengHei" pitchFamily="34" charset="-120"/>
+                <a:ea typeface="Microsoft JhengHei" pitchFamily="34" charset="-120"/>
                 <a:sym typeface="+mn-ea"/>
               </a:rPr>
-              <a:t>道拯</a:t>
-            </a:r>
-            <a:r>
-              <a:rPr lang="zh-TW" altLang="en-US" sz="5400" b="1" dirty="0">
-                <a:solidFill>
-                  <a:srgbClr val="002060"/>
-                </a:solidFill>
-                <a:latin typeface="Microsoft JhengHei" panose="020B0604030504040204" pitchFamily="34" charset="-120"/>
-                <a:ea typeface="Microsoft JhengHei" panose="020B0604030504040204" pitchFamily="34" charset="-120"/>
-                <a:sym typeface="+mn-ea"/>
-              </a:rPr>
-              <a:t>救眾生切莫遲</a:t>
-            </a:r>
-          </a:p>
-          <a:p>
-            <a:pPr marL="0" indent="0" algn="ctr">
-              <a:buNone/>
-            </a:pPr>
-            <a:r>
-              <a:rPr lang="zh-TW" altLang="en-US" sz="5400" b="1" dirty="0">
-                <a:solidFill>
-                  <a:srgbClr val="002060"/>
-                </a:solidFill>
-                <a:latin typeface="Microsoft JhengHei" panose="020B0604030504040204" pitchFamily="34" charset="-120"/>
-                <a:ea typeface="Microsoft JhengHei" panose="020B0604030504040204" pitchFamily="34" charset="-120"/>
-                <a:sym typeface="+mn-ea"/>
-              </a:rPr>
-              <a:t>速發</a:t>
-            </a:r>
-            <a:r>
-              <a:rPr lang="zh-TW" altLang="en-US" sz="5400" b="1" dirty="0">
-                <a:solidFill>
-                  <a:srgbClr val="002060"/>
-                </a:solidFill>
-                <a:latin typeface="Microsoft JhengHei" panose="020B0604030504040204" pitchFamily="34" charset="-120"/>
-                <a:ea typeface="Microsoft JhengHei" panose="020B0604030504040204" pitchFamily="34" charset="-120"/>
-                <a:sym typeface="+mn-ea"/>
-              </a:rPr>
-              <a:t>光  須</a:t>
-            </a:r>
-            <a:r>
-              <a:rPr lang="zh-TW" altLang="en-US" sz="5400" b="1" dirty="0">
-                <a:solidFill>
-                  <a:srgbClr val="002060"/>
-                </a:solidFill>
-                <a:latin typeface="Microsoft JhengHei" panose="020B0604030504040204" pitchFamily="34" charset="-120"/>
-                <a:ea typeface="Microsoft JhengHei" panose="020B0604030504040204" pitchFamily="34" charset="-120"/>
-                <a:sym typeface="+mn-ea"/>
-              </a:rPr>
-              <a:t>速發</a:t>
-            </a:r>
-            <a:r>
-              <a:rPr lang="zh-TW" altLang="en-US" sz="5400" b="1" dirty="0">
-                <a:solidFill>
-                  <a:srgbClr val="002060"/>
-                </a:solidFill>
-                <a:latin typeface="Microsoft JhengHei" panose="020B0604030504040204" pitchFamily="34" charset="-120"/>
-                <a:ea typeface="Microsoft JhengHei" panose="020B0604030504040204" pitchFamily="34" charset="-120"/>
-                <a:sym typeface="+mn-ea"/>
-              </a:rPr>
-              <a:t>光</a:t>
-            </a:r>
-            <a:endParaRPr lang="zh-TW" altLang="en-US" sz="5400" b="1" dirty="0">
+              <a:t>速發光  須速發光</a:t>
+            </a:r>
+            <a:endParaRPr lang="zh-TW" altLang="en-US" sz="6400" b="1" dirty="0" smtClean="0">
               <a:solidFill>
-                <a:srgbClr val="002060"/>
+                <a:srgbClr val="660033"/>
               </a:solidFill>
-              <a:latin typeface="Microsoft JhengHei" panose="020B0604030504040204" pitchFamily="34" charset="-120"/>
-              <a:ea typeface="Microsoft JhengHei" panose="020B0604030504040204" pitchFamily="34" charset="-120"/>
-              <a:sym typeface="+mn-ea"/>
+              <a:latin typeface="Microsoft JhengHei" pitchFamily="34" charset="-120"/>
+              <a:ea typeface="Microsoft JhengHei" pitchFamily="34" charset="-120"/>
             </a:endParaRPr>
           </a:p>
         </p:txBody>
       </p:sp>
       <p:sp>
         <p:nvSpPr>
-          <p:cNvPr id="6" name="Text Box 1"/>
+          <p:cNvPr id="3" name="TextBox 2"/>
           <p:cNvSpPr txBox="1"/>
           <p:nvPr/>
         </p:nvSpPr>
         <p:spPr>
           <a:xfrm>
-            <a:off x="767408" y="1700808"/>
-            <a:ext cx="911424" cy="923330"/>
+            <a:off x="0" y="5238763"/>
+            <a:ext cx="12192000" cy="861775"/>
           </a:xfrm>
           <a:prstGeom prst="rect">
             <a:avLst/>
           </a:prstGeom>
           <a:noFill/>
-          <a:ln w="9525">
-            <a:noFill/>
-            <a:miter lim="800000"/>
-          </a:ln>
         </p:spPr>
         <p:txBody>
-          <a:bodyPr wrap="square">
+          <a:bodyPr wrap="square" lIns="121917" tIns="60958" rIns="121917" bIns="60958" rtlCol="0">
             <a:spAutoFit/>
           </a:bodyPr>
           <a:lstStyle/>
           <a:p>
             <a:pPr algn="ctr"/>
             <a:r>
-              <a:rPr lang="en-US" sz="5400" b="1" dirty="0">
-                <a:solidFill>
-                  <a:srgbClr val="002060"/>
+              <a:rPr lang="en-US" sz="4800" b="1" dirty="0" smtClean="0">
+                <a:solidFill>
+                  <a:srgbClr val="660033"/>
                 </a:solidFill>
               </a:rPr>
-              <a:t>2</a:t>
-            </a:r>
-            <a:r>
-              <a:rPr lang="en-US" sz="5400" b="1" dirty="0" smtClean="0">
-                <a:solidFill>
-                  <a:srgbClr val="002060"/>
-                </a:solidFill>
-              </a:rPr>
-              <a:t>.</a:t>
-            </a:r>
-            <a:endParaRPr lang="en-US" sz="5400" b="1" dirty="0">
+              <a:t>( 1 )</a:t>
+            </a:r>
+            <a:endParaRPr lang="vi-VN" sz="4800" b="1" dirty="0">
               <a:solidFill>
-                <a:srgbClr val="002060"/>
+                <a:srgbClr val="660033"/>
               </a:solidFill>
             </a:endParaRPr>
           </a:p>
@@ -4619,13 +5137,20 @@
     </p:spTree>
     <p:extLst>
       <p:ext uri="{BB962C8B-B14F-4D97-AF65-F5344CB8AC3E}">
-        <p14:creationId xmlns:p14="http://schemas.microsoft.com/office/powerpoint/2010/main" val="3410243692"/>
+        <p14:creationId xmlns:p14="http://schemas.microsoft.com/office/powerpoint/2010/main" xmlns="" val="399046055"/>
       </p:ext>
     </p:extLst>
   </p:cSld>
   <p:clrMapOvr>
     <a:masterClrMapping/>
   </p:clrMapOvr>
+  <p:timing>
+    <p:tnLst>
+      <p:par>
+        <p:cTn id="1" dur="indefinite" restart="never" nodeType="tmRoot"/>
+      </p:par>
+    </p:tnLst>
+  </p:timing>
 </p:sld>
 </file>
 
@@ -4648,225 +5173,77 @@
       </p:grpSpPr>
       <p:sp>
         <p:nvSpPr>
-          <p:cNvPr id="4" name="Title 3"/>
-          <p:cNvSpPr>
-            <a:spLocks noGrp="1"/>
-          </p:cNvSpPr>
-          <p:nvPr>
-            <p:ph type="title"/>
-          </p:nvPr>
-        </p:nvSpPr>
-        <p:spPr/>
-        <p:txBody>
-          <a:bodyPr>
+          <p:cNvPr id="5" name="內容版面配置區 4"/>
+          <p:cNvSpPr>
+            <a:spLocks noGrp="1"/>
+          </p:cNvSpPr>
+          <p:nvPr>
+            <p:ph idx="1"/>
+          </p:nvPr>
+        </p:nvSpPr>
+        <p:spPr>
+          <a:xfrm>
+            <a:off x="0" y="2084851"/>
+            <a:ext cx="12192000" cy="2404863"/>
+          </a:xfrm>
+        </p:spPr>
+        <p:txBody>
+          <a:bodyPr anchor="ctr">
             <a:normAutofit/>
           </a:bodyPr>
           <a:lstStyle/>
           <a:p>
-            <a:r>
-              <a:rPr lang="en-US" altLang="zh-CN" sz="4800" b="1" dirty="0">
-                <a:solidFill>
-                  <a:srgbClr val="002060"/>
-                </a:solidFill>
-                <a:latin typeface="Microsoft JhengHei" panose="020B0604030504040204" pitchFamily="34" charset="-120"/>
-                <a:ea typeface="Microsoft JhengHei" panose="020B0604030504040204" pitchFamily="34" charset="-120"/>
+            <a:pPr marL="0" indent="0" algn="ctr">
+              <a:buNone/>
+            </a:pPr>
+            <a:r>
+              <a:rPr lang="zh-TW" altLang="en-US" sz="6400" b="1" dirty="0" smtClean="0">
+                <a:solidFill>
+                  <a:srgbClr val="660033"/>
+                </a:solidFill>
+                <a:latin typeface="Microsoft JhengHei" pitchFamily="34" charset="-120"/>
+                <a:ea typeface="Microsoft JhengHei" pitchFamily="34" charset="-120"/>
+                <a:sym typeface="+mn-ea"/>
               </a:rPr>
-              <a:t>【</a:t>
-            </a:r>
-            <a:r>
-              <a:rPr lang="zh-CN" altLang="en-US" sz="4800" b="1" dirty="0">
-                <a:solidFill>
-                  <a:srgbClr val="002060"/>
-                </a:solidFill>
-                <a:latin typeface="Microsoft JhengHei" panose="020B0604030504040204" pitchFamily="34" charset="-120"/>
-                <a:ea typeface="Microsoft JhengHei" panose="020B0604030504040204" pitchFamily="34" charset="-120"/>
-              </a:rPr>
-              <a:t>速發光</a:t>
-            </a:r>
-            <a:r>
-              <a:rPr lang="en-US" altLang="zh-CN" sz="4800" b="1" dirty="0">
-                <a:solidFill>
-                  <a:srgbClr val="002060"/>
-                </a:solidFill>
-                <a:latin typeface="Microsoft JhengHei" panose="020B0604030504040204" pitchFamily="34" charset="-120"/>
-                <a:ea typeface="Microsoft JhengHei" panose="020B0604030504040204" pitchFamily="34" charset="-120"/>
-              </a:rPr>
-              <a:t>】</a:t>
-            </a:r>
-            <a:endParaRPr lang="zh-CN" altLang="en-US" sz="4800" b="1" dirty="0">
-              <a:solidFill>
-                <a:srgbClr val="002060"/>
-              </a:solidFill>
-              <a:latin typeface="Microsoft JhengHei" panose="020B0604030504040204" pitchFamily="34" charset="-120"/>
-              <a:ea typeface="Microsoft JhengHei" panose="020B0604030504040204" pitchFamily="34" charset="-120"/>
-            </a:endParaRPr>
-          </a:p>
-        </p:txBody>
-      </p:sp>
-      <p:sp>
-        <p:nvSpPr>
-          <p:cNvPr id="5" name="Content Placeholder 4"/>
-          <p:cNvSpPr>
-            <a:spLocks noGrp="1"/>
-          </p:cNvSpPr>
-          <p:nvPr>
-            <p:ph idx="1"/>
-          </p:nvPr>
-        </p:nvSpPr>
-        <p:spPr/>
-        <p:txBody>
-          <a:bodyPr>
-            <a:normAutofit/>
-          </a:bodyPr>
-          <a:lstStyle/>
+              <a:t>速發光  速發福音真光</a:t>
+            </a:r>
+          </a:p>
           <a:p>
             <a:pPr marL="0" indent="0" algn="ctr">
               <a:buNone/>
             </a:pPr>
             <a:r>
-              <a:rPr lang="zh-TW" altLang="en-US" sz="5400" b="1" dirty="0">
-                <a:solidFill>
-                  <a:srgbClr val="002060"/>
-                </a:solidFill>
-                <a:latin typeface="Microsoft JhengHei" panose="020B0604030504040204" pitchFamily="34" charset="-120"/>
-                <a:ea typeface="Microsoft JhengHei" panose="020B0604030504040204" pitchFamily="34" charset="-120"/>
-              </a:rPr>
-              <a:t>速發</a:t>
-            </a:r>
-            <a:r>
-              <a:rPr lang="zh-TW" altLang="en-US" sz="5400" b="1" dirty="0">
-                <a:solidFill>
-                  <a:srgbClr val="002060"/>
-                </a:solidFill>
-                <a:latin typeface="Microsoft JhengHei" panose="020B0604030504040204" pitchFamily="34" charset="-120"/>
-                <a:ea typeface="Microsoft JhengHei" panose="020B0604030504040204" pitchFamily="34" charset="-120"/>
-              </a:rPr>
-              <a:t>光  速</a:t>
-            </a:r>
-            <a:r>
-              <a:rPr lang="zh-TW" altLang="en-US" sz="5400" b="1" dirty="0">
-                <a:solidFill>
-                  <a:srgbClr val="002060"/>
-                </a:solidFill>
-                <a:latin typeface="Microsoft JhengHei" panose="020B0604030504040204" pitchFamily="34" charset="-120"/>
-                <a:ea typeface="Microsoft JhengHei" panose="020B0604030504040204" pitchFamily="34" charset="-120"/>
-              </a:rPr>
-              <a:t>發福音真光</a:t>
-            </a:r>
-          </a:p>
-          <a:p>
-            <a:pPr marL="0" indent="0" algn="ctr">
-              <a:buNone/>
-            </a:pPr>
-            <a:r>
-              <a:rPr lang="zh-TW" altLang="en-US" sz="5400" b="1" dirty="0">
-                <a:solidFill>
-                  <a:srgbClr val="002060"/>
-                </a:solidFill>
-                <a:latin typeface="Microsoft JhengHei" panose="020B0604030504040204" pitchFamily="34" charset="-120"/>
-                <a:ea typeface="Microsoft JhengHei" panose="020B0604030504040204" pitchFamily="34" charset="-120"/>
+              <a:rPr lang="zh-TW" altLang="en-US" sz="6400" b="1" dirty="0" smtClean="0">
+                <a:solidFill>
+                  <a:srgbClr val="660033"/>
+                </a:solidFill>
+                <a:latin typeface="Microsoft JhengHei" pitchFamily="34" charset="-120"/>
+                <a:ea typeface="Microsoft JhengHei" pitchFamily="34" charset="-120"/>
+                <a:sym typeface="+mn-ea"/>
               </a:rPr>
               <a:t>速</a:t>
             </a:r>
             <a:r>
-              <a:rPr lang="zh-CN" altLang="en-US" sz="5400" b="1" dirty="0">
-                <a:solidFill>
-                  <a:srgbClr val="002060"/>
-                </a:solidFill>
-                <a:latin typeface="Microsoft JhengHei" panose="020B0604030504040204" pitchFamily="34" charset="-120"/>
-                <a:ea typeface="Microsoft JhengHei" panose="020B0604030504040204" pitchFamily="34" charset="-120"/>
+              <a:rPr lang="zh-CN" altLang="en-US" sz="6400" b="1" dirty="0" smtClean="0">
+                <a:solidFill>
+                  <a:srgbClr val="660033"/>
+                </a:solidFill>
+                <a:latin typeface="Microsoft JhengHei" pitchFamily="34" charset="-120"/>
+                <a:ea typeface="Microsoft JhengHei" pitchFamily="34" charset="-120"/>
+                <a:sym typeface="+mn-ea"/>
               </a:rPr>
               <a:t>照</a:t>
             </a:r>
             <a:r>
-              <a:rPr lang="zh-TW" altLang="en-US" sz="5400" b="1" dirty="0">
-                <a:solidFill>
-                  <a:srgbClr val="002060"/>
-                </a:solidFill>
-                <a:latin typeface="Microsoft JhengHei" panose="020B0604030504040204" pitchFamily="34" charset="-120"/>
-                <a:ea typeface="Microsoft JhengHei" panose="020B0604030504040204" pitchFamily="34" charset="-120"/>
+              <a:rPr lang="zh-TW" altLang="en-US" sz="6400" b="1" dirty="0" smtClean="0">
+                <a:solidFill>
+                  <a:srgbClr val="660033"/>
+                </a:solidFill>
+                <a:latin typeface="Microsoft JhengHei" pitchFamily="34" charset="-120"/>
+                <a:ea typeface="Microsoft JhengHei" pitchFamily="34" charset="-120"/>
+                <a:sym typeface="+mn-ea"/>
               </a:rPr>
-              <a:t>亮  幽</a:t>
-            </a:r>
-            <a:r>
-              <a:rPr lang="zh-TW" altLang="en-US" sz="5400" b="1" dirty="0">
-                <a:solidFill>
-                  <a:srgbClr val="002060"/>
-                </a:solidFill>
-                <a:latin typeface="Microsoft JhengHei" panose="020B0604030504040204" pitchFamily="34" charset="-120"/>
-                <a:ea typeface="Microsoft JhengHei" panose="020B0604030504040204" pitchFamily="34" charset="-120"/>
-              </a:rPr>
-              <a:t>暗昏沉地方</a:t>
-            </a:r>
-          </a:p>
-          <a:p>
-            <a:pPr marL="0" indent="0" algn="ctr">
-              <a:buNone/>
-            </a:pPr>
-            <a:r>
-              <a:rPr lang="zh-TW" altLang="en-US" sz="5400" b="1" dirty="0">
-                <a:solidFill>
-                  <a:srgbClr val="002060"/>
-                </a:solidFill>
-                <a:latin typeface="Microsoft JhengHei" panose="020B0604030504040204" pitchFamily="34" charset="-120"/>
-                <a:ea typeface="Microsoft JhengHei" panose="020B0604030504040204" pitchFamily="34" charset="-120"/>
-              </a:rPr>
-              <a:t>田禾成</a:t>
-            </a:r>
-            <a:r>
-              <a:rPr lang="zh-TW" altLang="en-US" sz="5400" b="1" dirty="0">
-                <a:solidFill>
-                  <a:srgbClr val="002060"/>
-                </a:solidFill>
-                <a:latin typeface="Microsoft JhengHei" panose="020B0604030504040204" pitchFamily="34" charset="-120"/>
-                <a:ea typeface="Microsoft JhengHei" panose="020B0604030504040204" pitchFamily="34" charset="-120"/>
-              </a:rPr>
-              <a:t>熟  宜</a:t>
-            </a:r>
-            <a:r>
-              <a:rPr lang="zh-TW" altLang="en-US" sz="5400" b="1" dirty="0">
-                <a:solidFill>
-                  <a:srgbClr val="002060"/>
-                </a:solidFill>
-                <a:latin typeface="Microsoft JhengHei" panose="020B0604030504040204" pitchFamily="34" charset="-120"/>
-                <a:ea typeface="Microsoft JhengHei" panose="020B0604030504040204" pitchFamily="34" charset="-120"/>
-              </a:rPr>
-              <a:t>收斂入倉</a:t>
-            </a:r>
-          </a:p>
-          <a:p>
-            <a:pPr marL="0" indent="0" algn="ctr">
-              <a:buNone/>
-            </a:pPr>
-            <a:r>
-              <a:rPr lang="zh-TW" altLang="en-US" sz="5400" b="1" dirty="0">
-                <a:solidFill>
-                  <a:srgbClr val="002060"/>
-                </a:solidFill>
-                <a:latin typeface="Microsoft JhengHei" panose="020B0604030504040204" pitchFamily="34" charset="-120"/>
-                <a:ea typeface="Microsoft JhengHei" panose="020B0604030504040204" pitchFamily="34" charset="-120"/>
-              </a:rPr>
-              <a:t>速發</a:t>
-            </a:r>
-            <a:r>
-              <a:rPr lang="zh-TW" altLang="en-US" sz="5400" b="1" dirty="0">
-                <a:solidFill>
-                  <a:srgbClr val="002060"/>
-                </a:solidFill>
-                <a:latin typeface="Microsoft JhengHei" panose="020B0604030504040204" pitchFamily="34" charset="-120"/>
-                <a:ea typeface="Microsoft JhengHei" panose="020B0604030504040204" pitchFamily="34" charset="-120"/>
-              </a:rPr>
-              <a:t>光  須</a:t>
-            </a:r>
-            <a:r>
-              <a:rPr lang="zh-TW" altLang="en-US" sz="5400" b="1" dirty="0">
-                <a:solidFill>
-                  <a:srgbClr val="002060"/>
-                </a:solidFill>
-                <a:latin typeface="Microsoft JhengHei" panose="020B0604030504040204" pitchFamily="34" charset="-120"/>
-                <a:ea typeface="Microsoft JhengHei" panose="020B0604030504040204" pitchFamily="34" charset="-120"/>
-              </a:rPr>
-              <a:t>速發光</a:t>
+              <a:t>亮  幽暗昏沉地方</a:t>
             </a:r>
           </a:p>
         </p:txBody>
@@ -4874,13 +5251,20 @@
     </p:spTree>
     <p:extLst>
       <p:ext uri="{BB962C8B-B14F-4D97-AF65-F5344CB8AC3E}">
-        <p14:creationId xmlns:p14="http://schemas.microsoft.com/office/powerpoint/2010/main" val="988949731"/>
+        <p14:creationId xmlns:p14="http://schemas.microsoft.com/office/powerpoint/2010/main" xmlns="" val="399046055"/>
       </p:ext>
     </p:extLst>
   </p:cSld>
   <p:clrMapOvr>
     <a:masterClrMapping/>
   </p:clrMapOvr>
+  <p:timing>
+    <p:tnLst>
+      <p:par>
+        <p:cTn id="1" dur="indefinite" restart="never" nodeType="tmRoot"/>
+      </p:par>
+    </p:tnLst>
+  </p:timing>
 </p:sld>
 </file>
 
@@ -4903,322 +5287,76 @@
       </p:grpSpPr>
       <p:sp>
         <p:nvSpPr>
-          <p:cNvPr id="4" name="Title 3"/>
-          <p:cNvSpPr>
-            <a:spLocks noGrp="1"/>
-          </p:cNvSpPr>
-          <p:nvPr>
-            <p:ph type="title"/>
-          </p:nvPr>
-        </p:nvSpPr>
-        <p:spPr/>
-        <p:txBody>
-          <a:bodyPr>
+          <p:cNvPr id="5" name="內容版面配置區 4"/>
+          <p:cNvSpPr>
+            <a:spLocks noGrp="1"/>
+          </p:cNvSpPr>
+          <p:nvPr>
+            <p:ph idx="1"/>
+          </p:nvPr>
+        </p:nvSpPr>
+        <p:spPr>
+          <a:xfrm>
+            <a:off x="0" y="2084851"/>
+            <a:ext cx="12192000" cy="2404863"/>
+          </a:xfrm>
+        </p:spPr>
+        <p:txBody>
+          <a:bodyPr anchor="ctr">
             <a:normAutofit/>
           </a:bodyPr>
           <a:lstStyle/>
           <a:p>
-            <a:r>
-              <a:rPr lang="en-US" altLang="zh-CN" sz="4800" b="1" dirty="0">
-                <a:solidFill>
-                  <a:srgbClr val="002060"/>
-                </a:solidFill>
-                <a:latin typeface="Microsoft JhengHei" panose="020B0604030504040204" pitchFamily="34" charset="-120"/>
-                <a:ea typeface="Microsoft JhengHei" panose="020B0604030504040204" pitchFamily="34" charset="-120"/>
-              </a:rPr>
-              <a:t>【</a:t>
-            </a:r>
-            <a:r>
-              <a:rPr lang="zh-CN" altLang="en-US" sz="4800" b="1" dirty="0">
-                <a:solidFill>
-                  <a:srgbClr val="002060"/>
-                </a:solidFill>
-                <a:latin typeface="Microsoft JhengHei" panose="020B0604030504040204" pitchFamily="34" charset="-120"/>
-                <a:ea typeface="Microsoft JhengHei" panose="020B0604030504040204" pitchFamily="34" charset="-120"/>
-              </a:rPr>
-              <a:t>速發光</a:t>
-            </a:r>
-            <a:r>
-              <a:rPr lang="en-US" altLang="zh-CN" sz="4800" b="1" dirty="0">
-                <a:solidFill>
-                  <a:srgbClr val="002060"/>
-                </a:solidFill>
-                <a:latin typeface="Microsoft JhengHei" panose="020B0604030504040204" pitchFamily="34" charset="-120"/>
-                <a:ea typeface="Microsoft JhengHei" panose="020B0604030504040204" pitchFamily="34" charset="-120"/>
-              </a:rPr>
-              <a:t>】</a:t>
-            </a:r>
-            <a:endParaRPr lang="zh-CN" altLang="en-US" sz="4800" b="1" dirty="0">
-              <a:solidFill>
-                <a:srgbClr val="002060"/>
-              </a:solidFill>
-              <a:latin typeface="Microsoft JhengHei" panose="020B0604030504040204" pitchFamily="34" charset="-120"/>
-              <a:ea typeface="Microsoft JhengHei" panose="020B0604030504040204" pitchFamily="34" charset="-120"/>
-            </a:endParaRPr>
-          </a:p>
-        </p:txBody>
-      </p:sp>
-      <p:sp>
-        <p:nvSpPr>
-          <p:cNvPr id="5" name="Content Placeholder 4"/>
-          <p:cNvSpPr>
-            <a:spLocks noGrp="1"/>
-          </p:cNvSpPr>
-          <p:nvPr>
-            <p:ph idx="1"/>
-          </p:nvPr>
-        </p:nvSpPr>
-        <p:spPr/>
-        <p:txBody>
-          <a:bodyPr>
-            <a:normAutofit/>
-          </a:bodyPr>
-          <a:lstStyle/>
-          <a:p>
             <a:pPr marL="0" indent="0" algn="ctr">
               <a:buNone/>
             </a:pPr>
             <a:r>
-              <a:rPr lang="zh-TW" altLang="en-US" sz="5400" b="1" dirty="0">
-                <a:solidFill>
-                  <a:srgbClr val="002060"/>
-                </a:solidFill>
-                <a:latin typeface="Microsoft JhengHei" panose="020B0604030504040204" pitchFamily="34" charset="-120"/>
-                <a:ea typeface="Microsoft JhengHei" panose="020B0604030504040204" pitchFamily="34" charset="-120"/>
-              </a:rPr>
-              <a:t>耶穌命</a:t>
-            </a:r>
-            <a:r>
-              <a:rPr lang="zh-TW" altLang="en-US" sz="5400" b="1" dirty="0">
-                <a:solidFill>
-                  <a:srgbClr val="002060"/>
-                </a:solidFill>
-                <a:latin typeface="Microsoft JhengHei" panose="020B0604030504040204" pitchFamily="34" charset="-120"/>
-                <a:ea typeface="Microsoft JhengHei" panose="020B0604030504040204" pitchFamily="34" charset="-120"/>
-              </a:rPr>
-              <a:t>我傳</a:t>
-            </a:r>
-            <a:r>
-              <a:rPr lang="zh-TW" altLang="en-US" sz="5400" b="1" dirty="0">
-                <a:solidFill>
-                  <a:srgbClr val="002060"/>
-                </a:solidFill>
-                <a:latin typeface="Microsoft JhengHei" panose="020B0604030504040204" pitchFamily="34" charset="-120"/>
-                <a:ea typeface="Microsoft JhengHei" panose="020B0604030504040204" pitchFamily="34" charset="-120"/>
-              </a:rPr>
-              <a:t>此福音大信息</a:t>
-            </a:r>
-          </a:p>
-          <a:p>
-            <a:pPr marL="0" indent="0" algn="ctr">
-              <a:buNone/>
-            </a:pPr>
-            <a:r>
-              <a:rPr lang="zh-TW" altLang="en-US" sz="5400" b="1" dirty="0">
-                <a:solidFill>
-                  <a:srgbClr val="002060"/>
-                </a:solidFill>
-                <a:latin typeface="Microsoft JhengHei" panose="020B0604030504040204" pitchFamily="34" charset="-120"/>
-                <a:ea typeface="Microsoft JhengHei" panose="020B0604030504040204" pitchFamily="34" charset="-120"/>
-              </a:rPr>
-              <a:t>速發</a:t>
-            </a:r>
-            <a:r>
-              <a:rPr lang="zh-TW" altLang="en-US" sz="5400" b="1" dirty="0">
-                <a:solidFill>
-                  <a:srgbClr val="002060"/>
-                </a:solidFill>
-                <a:latin typeface="Microsoft JhengHei" panose="020B0604030504040204" pitchFamily="34" charset="-120"/>
-                <a:ea typeface="Microsoft JhengHei" panose="020B0604030504040204" pitchFamily="34" charset="-120"/>
-              </a:rPr>
-              <a:t>光  速</a:t>
-            </a:r>
-            <a:r>
-              <a:rPr lang="zh-TW" altLang="en-US" sz="5400" b="1" dirty="0">
-                <a:solidFill>
-                  <a:srgbClr val="002060"/>
-                </a:solidFill>
-                <a:latin typeface="Microsoft JhengHei" panose="020B0604030504040204" pitchFamily="34" charset="-120"/>
-                <a:ea typeface="Microsoft JhengHei" panose="020B0604030504040204" pitchFamily="34" charset="-120"/>
-              </a:rPr>
-              <a:t>發</a:t>
-            </a:r>
-            <a:r>
-              <a:rPr lang="zh-TW" altLang="en-US" sz="5400" b="1" dirty="0">
-                <a:solidFill>
-                  <a:srgbClr val="002060"/>
-                </a:solidFill>
-                <a:latin typeface="Microsoft JhengHei" panose="020B0604030504040204" pitchFamily="34" charset="-120"/>
-                <a:ea typeface="Microsoft JhengHei" panose="020B0604030504040204" pitchFamily="34" charset="-120"/>
-              </a:rPr>
-              <a:t>光</a:t>
-            </a:r>
-            <a:endParaRPr lang="en-US" altLang="zh-TW" sz="5400" b="1" dirty="0">
-              <a:solidFill>
-                <a:srgbClr val="002060"/>
-              </a:solidFill>
-              <a:latin typeface="Microsoft JhengHei" panose="020B0604030504040204" pitchFamily="34" charset="-120"/>
-              <a:ea typeface="Microsoft JhengHei" panose="020B0604030504040204" pitchFamily="34" charset="-120"/>
-            </a:endParaRPr>
-          </a:p>
-          <a:p>
-            <a:pPr marL="0" indent="0" algn="ctr">
-              <a:buNone/>
-            </a:pPr>
-            <a:r>
-              <a:rPr lang="zh-TW" altLang="en-US" sz="5400" b="1" dirty="0">
-                <a:solidFill>
-                  <a:srgbClr val="002060"/>
-                </a:solidFill>
-                <a:latin typeface="Microsoft JhengHei" panose="020B0604030504040204" pitchFamily="34" charset="-120"/>
-                <a:ea typeface="Microsoft JhengHei" panose="020B0604030504040204" pitchFamily="34" charset="-120"/>
+              <a:rPr lang="zh-TW" altLang="en-US" sz="6400" b="1" dirty="0" smtClean="0">
+                <a:solidFill>
+                  <a:srgbClr val="660033"/>
+                </a:solidFill>
+                <a:latin typeface="Microsoft JhengHei" pitchFamily="34" charset="-120"/>
+                <a:ea typeface="Microsoft JhengHei" pitchFamily="34" charset="-120"/>
                 <a:sym typeface="+mn-ea"/>
               </a:rPr>
-              <a:t>苟不宣傳眾</a:t>
-            </a:r>
-            <a:r>
-              <a:rPr lang="zh-TW" altLang="en-US" sz="5400" b="1" dirty="0">
-                <a:solidFill>
-                  <a:srgbClr val="002060"/>
-                </a:solidFill>
-                <a:latin typeface="Microsoft JhengHei" panose="020B0604030504040204" pitchFamily="34" charset="-120"/>
-                <a:ea typeface="Microsoft JhengHei" panose="020B0604030504040204" pitchFamily="34" charset="-120"/>
+              <a:t>田禾成熟  宜收斂入倉</a:t>
+            </a:r>
+          </a:p>
+          <a:p>
+            <a:pPr marL="0" indent="0" algn="ctr">
+              <a:buNone/>
+            </a:pPr>
+            <a:r>
+              <a:rPr lang="zh-TW" altLang="en-US" sz="6400" b="1" dirty="0" smtClean="0">
+                <a:solidFill>
+                  <a:srgbClr val="660033"/>
+                </a:solidFill>
+                <a:latin typeface="Microsoft JhengHei" pitchFamily="34" charset="-120"/>
+                <a:ea typeface="Microsoft JhengHei" pitchFamily="34" charset="-120"/>
                 <a:sym typeface="+mn-ea"/>
               </a:rPr>
-              <a:t>生何</a:t>
-            </a:r>
-            <a:r>
-              <a:rPr lang="zh-TW" altLang="en-US" sz="5400" b="1" dirty="0">
-                <a:solidFill>
-                  <a:srgbClr val="002060"/>
-                </a:solidFill>
-                <a:latin typeface="Microsoft JhengHei" panose="020B0604030504040204" pitchFamily="34" charset="-120"/>
-                <a:ea typeface="Microsoft JhengHei" panose="020B0604030504040204" pitchFamily="34" charset="-120"/>
-                <a:sym typeface="+mn-ea"/>
-              </a:rPr>
-              <a:t>有得救時</a:t>
-            </a:r>
-          </a:p>
-          <a:p>
-            <a:pPr marL="0" indent="0" algn="ctr">
-              <a:buNone/>
-            </a:pPr>
-            <a:r>
-              <a:rPr lang="zh-TW" altLang="en-US" sz="5400" b="1" dirty="0">
-                <a:solidFill>
-                  <a:srgbClr val="002060"/>
-                </a:solidFill>
-                <a:latin typeface="Microsoft JhengHei" panose="020B0604030504040204" pitchFamily="34" charset="-120"/>
-                <a:ea typeface="Microsoft JhengHei" panose="020B0604030504040204" pitchFamily="34" charset="-120"/>
-                <a:sym typeface="+mn-ea"/>
-              </a:rPr>
-              <a:t>速發</a:t>
-            </a:r>
-            <a:r>
-              <a:rPr lang="zh-TW" altLang="en-US" sz="5400" b="1" dirty="0">
-                <a:solidFill>
-                  <a:srgbClr val="002060"/>
-                </a:solidFill>
-                <a:latin typeface="Microsoft JhengHei" panose="020B0604030504040204" pitchFamily="34" charset="-120"/>
-                <a:ea typeface="Microsoft JhengHei" panose="020B0604030504040204" pitchFamily="34" charset="-120"/>
-                <a:sym typeface="+mn-ea"/>
-              </a:rPr>
-              <a:t>光  須</a:t>
-            </a:r>
-            <a:r>
-              <a:rPr lang="zh-TW" altLang="en-US" sz="5400" b="1" dirty="0">
-                <a:solidFill>
-                  <a:srgbClr val="002060"/>
-                </a:solidFill>
-                <a:latin typeface="Microsoft JhengHei" panose="020B0604030504040204" pitchFamily="34" charset="-120"/>
-                <a:ea typeface="Microsoft JhengHei" panose="020B0604030504040204" pitchFamily="34" charset="-120"/>
-                <a:sym typeface="+mn-ea"/>
-              </a:rPr>
-              <a:t>速發</a:t>
-            </a:r>
-            <a:r>
-              <a:rPr lang="zh-TW" altLang="en-US" sz="5400" b="1" dirty="0">
-                <a:solidFill>
-                  <a:srgbClr val="002060"/>
-                </a:solidFill>
-                <a:latin typeface="Microsoft JhengHei" panose="020B0604030504040204" pitchFamily="34" charset="-120"/>
-                <a:ea typeface="Microsoft JhengHei" panose="020B0604030504040204" pitchFamily="34" charset="-120"/>
-                <a:sym typeface="+mn-ea"/>
-              </a:rPr>
-              <a:t>光</a:t>
-            </a:r>
-            <a:endParaRPr lang="zh-TW" altLang="en-US" sz="5400" b="1" dirty="0">
-              <a:solidFill>
-                <a:srgbClr val="002060"/>
-              </a:solidFill>
-              <a:latin typeface="Microsoft JhengHei" panose="020B0604030504040204" pitchFamily="34" charset="-120"/>
-              <a:ea typeface="Microsoft JhengHei" panose="020B0604030504040204" pitchFamily="34" charset="-120"/>
-              <a:sym typeface="+mn-ea"/>
-            </a:endParaRPr>
-          </a:p>
-        </p:txBody>
-      </p:sp>
-      <p:sp>
-        <p:nvSpPr>
-          <p:cNvPr id="6" name="Text Box 1"/>
-          <p:cNvSpPr txBox="1"/>
-          <p:nvPr/>
-        </p:nvSpPr>
-        <p:spPr>
-          <a:xfrm>
-            <a:off x="767408" y="1700808"/>
-            <a:ext cx="911424" cy="923330"/>
-          </a:xfrm>
-          <a:prstGeom prst="rect">
-            <a:avLst/>
-          </a:prstGeom>
-          <a:noFill/>
-          <a:ln w="9525">
-            <a:noFill/>
-            <a:miter lim="800000"/>
-          </a:ln>
-        </p:spPr>
-        <p:txBody>
-          <a:bodyPr wrap="square">
-            <a:spAutoFit/>
-          </a:bodyPr>
-          <a:lstStyle/>
-          <a:p>
-            <a:pPr algn="ctr"/>
-            <a:r>
-              <a:rPr lang="en-US" sz="5400" b="1" dirty="0">
-                <a:solidFill>
-                  <a:srgbClr val="002060"/>
-                </a:solidFill>
-              </a:rPr>
-              <a:t>3</a:t>
-            </a:r>
-            <a:r>
-              <a:rPr lang="en-US" sz="5400" b="1" dirty="0" smtClean="0">
-                <a:solidFill>
-                  <a:srgbClr val="002060"/>
-                </a:solidFill>
-              </a:rPr>
-              <a:t>.</a:t>
-            </a:r>
-            <a:endParaRPr lang="en-US" sz="5400" b="1" dirty="0">
-              <a:solidFill>
-                <a:srgbClr val="002060"/>
-              </a:solidFill>
-            </a:endParaRPr>
+              <a:t>速發光  須速發光</a:t>
+            </a:r>
           </a:p>
         </p:txBody>
       </p:sp>
     </p:spTree>
     <p:extLst>
       <p:ext uri="{BB962C8B-B14F-4D97-AF65-F5344CB8AC3E}">
-        <p14:creationId xmlns:p14="http://schemas.microsoft.com/office/powerpoint/2010/main" val="2474640260"/>
+        <p14:creationId xmlns:p14="http://schemas.microsoft.com/office/powerpoint/2010/main" xmlns="" val="399046055"/>
       </p:ext>
     </p:extLst>
   </p:cSld>
   <p:clrMapOvr>
     <a:masterClrMapping/>
   </p:clrMapOvr>
+  <p:timing>
+    <p:tnLst>
+      <p:par>
+        <p:cTn id="1" dur="indefinite" restart="never" nodeType="tmRoot"/>
+      </p:par>
+    </p:tnLst>
+  </p:timing>
 </p:sld>
 </file>
 
@@ -5241,54 +5379,57 @@
       </p:grpSpPr>
       <p:sp>
         <p:nvSpPr>
-          <p:cNvPr id="4" name="Title 3"/>
-          <p:cNvSpPr>
-            <a:spLocks noGrp="1"/>
-          </p:cNvSpPr>
-          <p:nvPr>
-            <p:ph type="title"/>
-          </p:nvPr>
-        </p:nvSpPr>
-        <p:spPr/>
-        <p:txBody>
-          <a:bodyPr>
+          <p:cNvPr id="5" name="內容版面配置區 4"/>
+          <p:cNvSpPr>
+            <a:spLocks noGrp="1"/>
+          </p:cNvSpPr>
+          <p:nvPr>
+            <p:ph idx="1"/>
+          </p:nvPr>
+        </p:nvSpPr>
+        <p:spPr>
+          <a:xfrm>
+            <a:off x="0" y="2084851"/>
+            <a:ext cx="12192000" cy="2404863"/>
+          </a:xfrm>
+        </p:spPr>
+        <p:txBody>
+          <a:bodyPr anchor="ctr">
             <a:normAutofit/>
           </a:bodyPr>
           <a:lstStyle/>
           <a:p>
-            <a:r>
-              <a:rPr lang="en-US" altLang="zh-CN" sz="4800" b="1" dirty="0">
-                <a:solidFill>
-                  <a:srgbClr val="002060"/>
+            <a:pPr marL="0" indent="0" algn="ctr">
+              <a:buNone/>
+            </a:pPr>
+            <a:r>
+              <a:rPr lang="zh-TW" altLang="en-US" sz="6400" b="1" dirty="0" smtClean="0">
+                <a:solidFill>
+                  <a:srgbClr val="660033"/>
                 </a:solidFill>
                 <a:latin typeface="Microsoft JhengHei" panose="020B0604030504040204" pitchFamily="34" charset="-120"/>
                 <a:ea typeface="Microsoft JhengHei" panose="020B0604030504040204" pitchFamily="34" charset="-120"/>
               </a:rPr>
-              <a:t>【</a:t>
-            </a:r>
-            <a:r>
-              <a:rPr lang="zh-CN" altLang="en-US" sz="4800" b="1" dirty="0">
-                <a:solidFill>
-                  <a:srgbClr val="002060"/>
+              <a:t>痛苦罪人急待福音施救濟</a:t>
+            </a:r>
+          </a:p>
+          <a:p>
+            <a:pPr marL="0" indent="0" algn="ctr">
+              <a:buNone/>
+            </a:pPr>
+            <a:r>
+              <a:rPr lang="zh-TW" altLang="en-US" sz="6400" b="1" dirty="0" smtClean="0">
+                <a:solidFill>
+                  <a:srgbClr val="660033"/>
                 </a:solidFill>
                 <a:latin typeface="Microsoft JhengHei" panose="020B0604030504040204" pitchFamily="34" charset="-120"/>
                 <a:ea typeface="Microsoft JhengHei" panose="020B0604030504040204" pitchFamily="34" charset="-120"/>
               </a:rPr>
-              <a:t>速發光</a:t>
-            </a:r>
-            <a:r>
-              <a:rPr lang="en-US" altLang="zh-CN" sz="4800" b="1" dirty="0">
-                <a:solidFill>
-                  <a:srgbClr val="002060"/>
-                </a:solidFill>
-                <a:latin typeface="Microsoft JhengHei" panose="020B0604030504040204" pitchFamily="34" charset="-120"/>
-                <a:ea typeface="Microsoft JhengHei" panose="020B0604030504040204" pitchFamily="34" charset="-120"/>
-              </a:rPr>
-              <a:t>】</a:t>
-            </a:r>
-            <a:endParaRPr lang="zh-CN" altLang="en-US" sz="4800" b="1" dirty="0">
+              <a:t>速發光  速發光</a:t>
+            </a:r>
+            <a:endParaRPr lang="en-US" altLang="zh-TW" sz="6400" b="1" dirty="0">
               <a:solidFill>
-                <a:srgbClr val="002060"/>
+                <a:srgbClr val="660033"/>
               </a:solidFill>
               <a:latin typeface="Microsoft JhengHei" panose="020B0604030504040204" pitchFamily="34" charset="-120"/>
               <a:ea typeface="Microsoft JhengHei" panose="020B0604030504040204" pitchFamily="34" charset="-120"/>
@@ -5298,182 +5439,60 @@
       </p:sp>
       <p:sp>
         <p:nvSpPr>
-          <p:cNvPr id="5" name="Content Placeholder 4"/>
-          <p:cNvSpPr>
-            <a:spLocks noGrp="1"/>
-          </p:cNvSpPr>
-          <p:nvPr>
-            <p:ph idx="1"/>
-          </p:nvPr>
-        </p:nvSpPr>
-        <p:spPr/>
-        <p:txBody>
-          <a:bodyPr>
-            <a:normAutofit/>
+          <p:cNvPr id="3" name="TextBox 2"/>
+          <p:cNvSpPr txBox="1"/>
+          <p:nvPr/>
+        </p:nvSpPr>
+        <p:spPr>
+          <a:xfrm>
+            <a:off x="0" y="5238763"/>
+            <a:ext cx="12192000" cy="861775"/>
+          </a:xfrm>
+          <a:prstGeom prst="rect">
+            <a:avLst/>
+          </a:prstGeom>
+          <a:noFill/>
+        </p:spPr>
+        <p:txBody>
+          <a:bodyPr wrap="square" lIns="121917" tIns="60958" rIns="121917" bIns="60958" rtlCol="0">
+            <a:spAutoFit/>
           </a:bodyPr>
           <a:lstStyle/>
           <a:p>
-            <a:pPr marL="0" indent="0" algn="ctr">
-              <a:buNone/>
-            </a:pPr>
-            <a:r>
-              <a:rPr lang="zh-TW" altLang="en-US" sz="5400" b="1" dirty="0">
-                <a:solidFill>
-                  <a:srgbClr val="002060"/>
-                </a:solidFill>
-                <a:latin typeface="Microsoft JhengHei" panose="020B0604030504040204" pitchFamily="34" charset="-120"/>
-                <a:ea typeface="Microsoft JhengHei" panose="020B0604030504040204" pitchFamily="34" charset="-120"/>
+            <a:pPr algn="ctr"/>
+            <a:r>
+              <a:rPr lang="en-US" sz="4800" b="1" dirty="0" smtClean="0">
+                <a:solidFill>
+                  <a:srgbClr val="660033"/>
+                </a:solidFill>
               </a:rPr>
-              <a:t>速發</a:t>
-            </a:r>
-            <a:r>
-              <a:rPr lang="zh-TW" altLang="en-US" sz="5400" b="1" dirty="0">
-                <a:solidFill>
-                  <a:srgbClr val="002060"/>
-                </a:solidFill>
-                <a:latin typeface="Microsoft JhengHei" panose="020B0604030504040204" pitchFamily="34" charset="-120"/>
-                <a:ea typeface="Microsoft JhengHei" panose="020B0604030504040204" pitchFamily="34" charset="-120"/>
-              </a:rPr>
-              <a:t>光  速</a:t>
-            </a:r>
-            <a:r>
-              <a:rPr lang="zh-TW" altLang="en-US" sz="5400" b="1" dirty="0">
-                <a:solidFill>
-                  <a:srgbClr val="002060"/>
-                </a:solidFill>
-                <a:latin typeface="Microsoft JhengHei" panose="020B0604030504040204" pitchFamily="34" charset="-120"/>
-                <a:ea typeface="Microsoft JhengHei" panose="020B0604030504040204" pitchFamily="34" charset="-120"/>
-              </a:rPr>
-              <a:t>發福音真光</a:t>
-            </a:r>
-          </a:p>
-          <a:p>
-            <a:pPr marL="0" indent="0" algn="ctr">
-              <a:buNone/>
-            </a:pPr>
-            <a:r>
-              <a:rPr lang="zh-TW" altLang="en-US" sz="5400" b="1" dirty="0">
-                <a:solidFill>
-                  <a:srgbClr val="002060"/>
-                </a:solidFill>
-                <a:latin typeface="Microsoft JhengHei" panose="020B0604030504040204" pitchFamily="34" charset="-120"/>
-                <a:ea typeface="Microsoft JhengHei" panose="020B0604030504040204" pitchFamily="34" charset="-120"/>
-              </a:rPr>
-              <a:t>速</a:t>
-            </a:r>
-            <a:r>
-              <a:rPr lang="zh-CN" altLang="en-US" sz="5400" b="1" dirty="0">
-                <a:solidFill>
-                  <a:srgbClr val="002060"/>
-                </a:solidFill>
-                <a:latin typeface="Microsoft JhengHei" panose="020B0604030504040204" pitchFamily="34" charset="-120"/>
-                <a:ea typeface="Microsoft JhengHei" panose="020B0604030504040204" pitchFamily="34" charset="-120"/>
-              </a:rPr>
-              <a:t>照</a:t>
-            </a:r>
-            <a:r>
-              <a:rPr lang="zh-TW" altLang="en-US" sz="5400" b="1" dirty="0">
-                <a:solidFill>
-                  <a:srgbClr val="002060"/>
-                </a:solidFill>
-                <a:latin typeface="Microsoft JhengHei" panose="020B0604030504040204" pitchFamily="34" charset="-120"/>
-                <a:ea typeface="Microsoft JhengHei" panose="020B0604030504040204" pitchFamily="34" charset="-120"/>
-              </a:rPr>
-              <a:t>亮  幽</a:t>
-            </a:r>
-            <a:r>
-              <a:rPr lang="zh-TW" altLang="en-US" sz="5400" b="1" dirty="0">
-                <a:solidFill>
-                  <a:srgbClr val="002060"/>
-                </a:solidFill>
-                <a:latin typeface="Microsoft JhengHei" panose="020B0604030504040204" pitchFamily="34" charset="-120"/>
-                <a:ea typeface="Microsoft JhengHei" panose="020B0604030504040204" pitchFamily="34" charset="-120"/>
-              </a:rPr>
-              <a:t>暗昏沉地方</a:t>
-            </a:r>
-          </a:p>
-          <a:p>
-            <a:pPr marL="0" indent="0" algn="ctr">
-              <a:buNone/>
-            </a:pPr>
-            <a:r>
-              <a:rPr lang="zh-TW" altLang="en-US" sz="5400" b="1" dirty="0">
-                <a:solidFill>
-                  <a:srgbClr val="002060"/>
-                </a:solidFill>
-                <a:latin typeface="Microsoft JhengHei" panose="020B0604030504040204" pitchFamily="34" charset="-120"/>
-                <a:ea typeface="Microsoft JhengHei" panose="020B0604030504040204" pitchFamily="34" charset="-120"/>
-              </a:rPr>
-              <a:t>田禾成</a:t>
-            </a:r>
-            <a:r>
-              <a:rPr lang="zh-TW" altLang="en-US" sz="5400" b="1" dirty="0">
-                <a:solidFill>
-                  <a:srgbClr val="002060"/>
-                </a:solidFill>
-                <a:latin typeface="Microsoft JhengHei" panose="020B0604030504040204" pitchFamily="34" charset="-120"/>
-                <a:ea typeface="Microsoft JhengHei" panose="020B0604030504040204" pitchFamily="34" charset="-120"/>
-              </a:rPr>
-              <a:t>熟  宜</a:t>
-            </a:r>
-            <a:r>
-              <a:rPr lang="zh-TW" altLang="en-US" sz="5400" b="1" dirty="0">
-                <a:solidFill>
-                  <a:srgbClr val="002060"/>
-                </a:solidFill>
-                <a:latin typeface="Microsoft JhengHei" panose="020B0604030504040204" pitchFamily="34" charset="-120"/>
-                <a:ea typeface="Microsoft JhengHei" panose="020B0604030504040204" pitchFamily="34" charset="-120"/>
-              </a:rPr>
-              <a:t>收斂入倉</a:t>
-            </a:r>
-          </a:p>
-          <a:p>
-            <a:pPr marL="0" indent="0" algn="ctr">
-              <a:buNone/>
-            </a:pPr>
-            <a:r>
-              <a:rPr lang="zh-TW" altLang="en-US" sz="5400" b="1" dirty="0">
-                <a:solidFill>
-                  <a:srgbClr val="002060"/>
-                </a:solidFill>
-                <a:latin typeface="Microsoft JhengHei" panose="020B0604030504040204" pitchFamily="34" charset="-120"/>
-                <a:ea typeface="Microsoft JhengHei" panose="020B0604030504040204" pitchFamily="34" charset="-120"/>
-              </a:rPr>
-              <a:t>速發</a:t>
-            </a:r>
-            <a:r>
-              <a:rPr lang="zh-TW" altLang="en-US" sz="5400" b="1" dirty="0">
-                <a:solidFill>
-                  <a:srgbClr val="002060"/>
-                </a:solidFill>
-                <a:latin typeface="Microsoft JhengHei" panose="020B0604030504040204" pitchFamily="34" charset="-120"/>
-                <a:ea typeface="Microsoft JhengHei" panose="020B0604030504040204" pitchFamily="34" charset="-120"/>
-              </a:rPr>
-              <a:t>光  須</a:t>
-            </a:r>
-            <a:r>
-              <a:rPr lang="zh-TW" altLang="en-US" sz="5400" b="1" dirty="0">
-                <a:solidFill>
-                  <a:srgbClr val="002060"/>
-                </a:solidFill>
-                <a:latin typeface="Microsoft JhengHei" panose="020B0604030504040204" pitchFamily="34" charset="-120"/>
-                <a:ea typeface="Microsoft JhengHei" panose="020B0604030504040204" pitchFamily="34" charset="-120"/>
-              </a:rPr>
-              <a:t>速發光</a:t>
-            </a:r>
+              <a:t>( 2 )</a:t>
+            </a:r>
+            <a:endParaRPr lang="vi-VN" sz="4800" b="1" dirty="0">
+              <a:solidFill>
+                <a:srgbClr val="660033"/>
+              </a:solidFill>
+            </a:endParaRPr>
           </a:p>
         </p:txBody>
       </p:sp>
     </p:spTree>
     <p:extLst>
       <p:ext uri="{BB962C8B-B14F-4D97-AF65-F5344CB8AC3E}">
-        <p14:creationId xmlns:p14="http://schemas.microsoft.com/office/powerpoint/2010/main" val="3662074068"/>
+        <p14:creationId xmlns:p14="http://schemas.microsoft.com/office/powerpoint/2010/main" xmlns="" val="399046055"/>
       </p:ext>
     </p:extLst>
   </p:cSld>
   <p:clrMapOvr>
     <a:masterClrMapping/>
   </p:clrMapOvr>
+  <p:timing>
+    <p:tnLst>
+      <p:par>
+        <p:cTn id="1" dur="indefinite" restart="never" nodeType="tmRoot"/>
+      </p:par>
+    </p:tnLst>
+  </p:timing>
 </p:sld>
 </file>
 
@@ -5496,253 +5515,59 @@
       </p:grpSpPr>
       <p:sp>
         <p:nvSpPr>
-          <p:cNvPr id="4" name="Title 3"/>
-          <p:cNvSpPr>
-            <a:spLocks noGrp="1"/>
-          </p:cNvSpPr>
-          <p:nvPr>
-            <p:ph type="title"/>
-          </p:nvPr>
-        </p:nvSpPr>
-        <p:spPr/>
-        <p:txBody>
-          <a:bodyPr>
+          <p:cNvPr id="5" name="內容版面配置區 4"/>
+          <p:cNvSpPr>
+            <a:spLocks noGrp="1"/>
+          </p:cNvSpPr>
+          <p:nvPr>
+            <p:ph idx="1"/>
+          </p:nvPr>
+        </p:nvSpPr>
+        <p:spPr>
+          <a:xfrm>
+            <a:off x="0" y="2084851"/>
+            <a:ext cx="12192000" cy="2404863"/>
+          </a:xfrm>
+        </p:spPr>
+        <p:txBody>
+          <a:bodyPr anchor="ctr">
             <a:normAutofit/>
           </a:bodyPr>
           <a:lstStyle/>
           <a:p>
-            <a:r>
-              <a:rPr lang="en-US" altLang="zh-CN" sz="4800" b="1" dirty="0">
-                <a:solidFill>
-                  <a:srgbClr val="002060"/>
-                </a:solidFill>
-                <a:latin typeface="Microsoft JhengHei" panose="020B0604030504040204" pitchFamily="34" charset="-120"/>
-                <a:ea typeface="Microsoft JhengHei" panose="020B0604030504040204" pitchFamily="34" charset="-120"/>
-              </a:rPr>
-              <a:t>【</a:t>
-            </a:r>
-            <a:r>
-              <a:rPr lang="zh-CN" altLang="en-US" sz="4800" b="1" dirty="0">
-                <a:solidFill>
-                  <a:srgbClr val="002060"/>
-                </a:solidFill>
-                <a:latin typeface="Microsoft JhengHei" panose="020B0604030504040204" pitchFamily="34" charset="-120"/>
-                <a:ea typeface="Microsoft JhengHei" panose="020B0604030504040204" pitchFamily="34" charset="-120"/>
-              </a:rPr>
-              <a:t>速發光</a:t>
-            </a:r>
-            <a:r>
-              <a:rPr lang="en-US" altLang="zh-CN" sz="4800" b="1" dirty="0">
-                <a:solidFill>
-                  <a:srgbClr val="002060"/>
-                </a:solidFill>
-                <a:latin typeface="Microsoft JhengHei" panose="020B0604030504040204" pitchFamily="34" charset="-120"/>
-                <a:ea typeface="Microsoft JhengHei" panose="020B0604030504040204" pitchFamily="34" charset="-120"/>
-              </a:rPr>
-              <a:t>】</a:t>
-            </a:r>
-            <a:endParaRPr lang="zh-CN" altLang="en-US" sz="4800" b="1" dirty="0">
-              <a:solidFill>
-                <a:srgbClr val="002060"/>
-              </a:solidFill>
-              <a:latin typeface="Microsoft JhengHei" panose="020B0604030504040204" pitchFamily="34" charset="-120"/>
-              <a:ea typeface="Microsoft JhengHei" panose="020B0604030504040204" pitchFamily="34" charset="-120"/>
-            </a:endParaRPr>
-          </a:p>
-        </p:txBody>
-      </p:sp>
-      <p:sp>
-        <p:nvSpPr>
-          <p:cNvPr id="5" name="Content Placeholder 4"/>
-          <p:cNvSpPr>
-            <a:spLocks noGrp="1"/>
-          </p:cNvSpPr>
-          <p:nvPr>
-            <p:ph idx="1"/>
-          </p:nvPr>
-        </p:nvSpPr>
-        <p:spPr/>
-        <p:txBody>
-          <a:bodyPr>
-            <a:normAutofit/>
-          </a:bodyPr>
-          <a:lstStyle/>
-          <a:p>
             <a:pPr marL="0" indent="0" algn="ctr">
               <a:buNone/>
             </a:pPr>
             <a:r>
-              <a:rPr lang="zh-TW" altLang="en-US" sz="5400" b="1" dirty="0">
-                <a:solidFill>
-                  <a:srgbClr val="002060"/>
-                </a:solidFill>
-                <a:latin typeface="Microsoft JhengHei" panose="020B0604030504040204" pitchFamily="34" charset="-120"/>
-                <a:ea typeface="Microsoft JhengHei" panose="020B0604030504040204" pitchFamily="34" charset="-120"/>
-              </a:rPr>
-              <a:t>我們樂遵主</a:t>
-            </a:r>
-            <a:r>
-              <a:rPr lang="zh-TW" altLang="en-US" sz="5400" b="1" dirty="0">
-                <a:solidFill>
-                  <a:srgbClr val="002060"/>
-                </a:solidFill>
-                <a:latin typeface="Microsoft JhengHei" panose="020B0604030504040204" pitchFamily="34" charset="-120"/>
-                <a:ea typeface="Microsoft JhengHei" panose="020B0604030504040204" pitchFamily="34" charset="-120"/>
-              </a:rPr>
-              <a:t>命將</a:t>
-            </a:r>
-            <a:r>
-              <a:rPr lang="zh-TW" altLang="en-US" sz="5400" b="1" dirty="0">
-                <a:solidFill>
-                  <a:srgbClr val="002060"/>
-                </a:solidFill>
-                <a:latin typeface="Microsoft JhengHei" panose="020B0604030504040204" pitchFamily="34" charset="-120"/>
-                <a:ea typeface="Microsoft JhengHei" panose="020B0604030504040204" pitchFamily="34" charset="-120"/>
-              </a:rPr>
-              <a:t>福音傳開</a:t>
-            </a:r>
-          </a:p>
-          <a:p>
-            <a:pPr marL="0" indent="0" algn="ctr">
-              <a:buNone/>
-            </a:pPr>
-            <a:r>
-              <a:rPr lang="zh-TW" altLang="en-US" sz="5400" b="1" dirty="0">
-                <a:solidFill>
-                  <a:srgbClr val="002060"/>
-                </a:solidFill>
-                <a:latin typeface="Microsoft JhengHei" panose="020B0604030504040204" pitchFamily="34" charset="-120"/>
-                <a:ea typeface="Microsoft JhengHei" panose="020B0604030504040204" pitchFamily="34" charset="-120"/>
-              </a:rPr>
-              <a:t>速發</a:t>
-            </a:r>
-            <a:r>
-              <a:rPr lang="zh-TW" altLang="en-US" sz="5400" b="1" dirty="0">
-                <a:solidFill>
-                  <a:srgbClr val="002060"/>
-                </a:solidFill>
-                <a:latin typeface="Microsoft JhengHei" panose="020B0604030504040204" pitchFamily="34" charset="-120"/>
-                <a:ea typeface="Microsoft JhengHei" panose="020B0604030504040204" pitchFamily="34" charset="-120"/>
-              </a:rPr>
-              <a:t>光  速</a:t>
-            </a:r>
-            <a:r>
-              <a:rPr lang="zh-TW" altLang="en-US" sz="5400" b="1" dirty="0">
-                <a:solidFill>
-                  <a:srgbClr val="002060"/>
-                </a:solidFill>
-                <a:latin typeface="Microsoft JhengHei" panose="020B0604030504040204" pitchFamily="34" charset="-120"/>
-                <a:ea typeface="Microsoft JhengHei" panose="020B0604030504040204" pitchFamily="34" charset="-120"/>
-              </a:rPr>
-              <a:t>發</a:t>
-            </a:r>
-            <a:r>
-              <a:rPr lang="zh-TW" altLang="en-US" sz="5400" b="1" dirty="0">
-                <a:solidFill>
-                  <a:srgbClr val="002060"/>
-                </a:solidFill>
-                <a:latin typeface="Microsoft JhengHei" panose="020B0604030504040204" pitchFamily="34" charset="-120"/>
-                <a:ea typeface="Microsoft JhengHei" panose="020B0604030504040204" pitchFamily="34" charset="-120"/>
-              </a:rPr>
-              <a:t>光</a:t>
-            </a:r>
-            <a:endParaRPr lang="en-US" altLang="zh-TW" sz="5400" b="1" dirty="0">
-              <a:solidFill>
-                <a:srgbClr val="002060"/>
-              </a:solidFill>
-              <a:latin typeface="Microsoft JhengHei" panose="020B0604030504040204" pitchFamily="34" charset="-120"/>
-              <a:ea typeface="Microsoft JhengHei" panose="020B0604030504040204" pitchFamily="34" charset="-120"/>
-            </a:endParaRPr>
-          </a:p>
-          <a:p>
-            <a:pPr marL="0" indent="0" algn="ctr">
-              <a:buNone/>
-            </a:pPr>
-            <a:r>
-              <a:rPr lang="zh-TW" altLang="en-US" sz="5400" b="1" dirty="0">
-                <a:solidFill>
-                  <a:srgbClr val="002060"/>
+              <a:rPr lang="zh-TW" altLang="en-US" sz="6400" b="1" dirty="0" smtClean="0">
+                <a:solidFill>
+                  <a:srgbClr val="660033"/>
                 </a:solidFill>
                 <a:latin typeface="Microsoft JhengHei" panose="020B0604030504040204" pitchFamily="34" charset="-120"/>
                 <a:ea typeface="Microsoft JhengHei" panose="020B0604030504040204" pitchFamily="34" charset="-120"/>
                 <a:sym typeface="+mn-ea"/>
               </a:rPr>
-              <a:t>發揚真神聖</a:t>
-            </a:r>
-            <a:r>
-              <a:rPr lang="zh-TW" altLang="en-US" sz="5400" b="1" dirty="0">
-                <a:solidFill>
-                  <a:srgbClr val="002060"/>
+              <a:t>速傳真道拯救眾生切莫遲</a:t>
+            </a:r>
+          </a:p>
+          <a:p>
+            <a:pPr marL="0" indent="0" algn="ctr">
+              <a:buNone/>
+            </a:pPr>
+            <a:r>
+              <a:rPr lang="zh-TW" altLang="en-US" sz="6400" b="1" dirty="0" smtClean="0">
+                <a:solidFill>
+                  <a:srgbClr val="660033"/>
                 </a:solidFill>
                 <a:latin typeface="Microsoft JhengHei" panose="020B0604030504040204" pitchFamily="34" charset="-120"/>
                 <a:ea typeface="Microsoft JhengHei" panose="020B0604030504040204" pitchFamily="34" charset="-120"/>
                 <a:sym typeface="+mn-ea"/>
               </a:rPr>
-              <a:t>道顯</a:t>
-            </a:r>
-            <a:r>
-              <a:rPr lang="zh-TW" altLang="en-US" sz="5400" b="1" dirty="0">
-                <a:solidFill>
-                  <a:srgbClr val="002060"/>
-                </a:solidFill>
-                <a:latin typeface="Microsoft JhengHei" panose="020B0604030504040204" pitchFamily="34" charset="-120"/>
-                <a:ea typeface="Microsoft JhengHei" panose="020B0604030504040204" pitchFamily="34" charset="-120"/>
-                <a:sym typeface="+mn-ea"/>
-              </a:rPr>
-              <a:t>基督仁愛</a:t>
-            </a:r>
-          </a:p>
-          <a:p>
-            <a:pPr marL="0" indent="0" algn="ctr">
-              <a:buNone/>
-            </a:pPr>
-            <a:r>
-              <a:rPr lang="zh-TW" altLang="en-US" sz="5400" b="1" dirty="0">
-                <a:solidFill>
-                  <a:srgbClr val="002060"/>
-                </a:solidFill>
-                <a:latin typeface="Microsoft JhengHei" panose="020B0604030504040204" pitchFamily="34" charset="-120"/>
-                <a:ea typeface="Microsoft JhengHei" panose="020B0604030504040204" pitchFamily="34" charset="-120"/>
-                <a:sym typeface="+mn-ea"/>
-              </a:rPr>
-              <a:t>速發</a:t>
-            </a:r>
-            <a:r>
-              <a:rPr lang="zh-TW" altLang="en-US" sz="5400" b="1" dirty="0">
-                <a:solidFill>
-                  <a:srgbClr val="002060"/>
-                </a:solidFill>
-                <a:latin typeface="Microsoft JhengHei" panose="020B0604030504040204" pitchFamily="34" charset="-120"/>
-                <a:ea typeface="Microsoft JhengHei" panose="020B0604030504040204" pitchFamily="34" charset="-120"/>
-                <a:sym typeface="+mn-ea"/>
-              </a:rPr>
-              <a:t>光  須</a:t>
-            </a:r>
-            <a:r>
-              <a:rPr lang="zh-TW" altLang="en-US" sz="5400" b="1" dirty="0">
-                <a:solidFill>
-                  <a:srgbClr val="002060"/>
-                </a:solidFill>
-                <a:latin typeface="Microsoft JhengHei" panose="020B0604030504040204" pitchFamily="34" charset="-120"/>
-                <a:ea typeface="Microsoft JhengHei" panose="020B0604030504040204" pitchFamily="34" charset="-120"/>
-                <a:sym typeface="+mn-ea"/>
-              </a:rPr>
-              <a:t>速發</a:t>
-            </a:r>
-            <a:r>
-              <a:rPr lang="zh-TW" altLang="en-US" sz="5400" b="1" dirty="0">
-                <a:solidFill>
-                  <a:srgbClr val="002060"/>
-                </a:solidFill>
-                <a:latin typeface="Microsoft JhengHei" panose="020B0604030504040204" pitchFamily="34" charset="-120"/>
-                <a:ea typeface="Microsoft JhengHei" panose="020B0604030504040204" pitchFamily="34" charset="-120"/>
-                <a:sym typeface="+mn-ea"/>
-              </a:rPr>
-              <a:t>光</a:t>
-            </a:r>
-            <a:endParaRPr lang="zh-TW" altLang="en-US" sz="5400" b="1" dirty="0">
+              <a:t>速發光  須速發光</a:t>
+            </a:r>
+            <a:endParaRPr lang="zh-TW" altLang="en-US" sz="6400" b="1" dirty="0">
               <a:solidFill>
-                <a:srgbClr val="002060"/>
+                <a:srgbClr val="660033"/>
               </a:solidFill>
               <a:latin typeface="Microsoft JhengHei" panose="020B0604030504040204" pitchFamily="34" charset="-120"/>
               <a:ea typeface="Microsoft JhengHei" panose="020B0604030504040204" pitchFamily="34" charset="-120"/>
@@ -5753,50 +5578,38 @@
       </p:sp>
       <p:sp>
         <p:nvSpPr>
-          <p:cNvPr id="6" name="Text Box 1"/>
+          <p:cNvPr id="3" name="TextBox 2"/>
           <p:cNvSpPr txBox="1"/>
           <p:nvPr/>
         </p:nvSpPr>
         <p:spPr>
           <a:xfrm>
-            <a:off x="767408" y="1700808"/>
-            <a:ext cx="911424" cy="923330"/>
+            <a:off x="0" y="5238763"/>
+            <a:ext cx="12192000" cy="861775"/>
           </a:xfrm>
           <a:prstGeom prst="rect">
             <a:avLst/>
           </a:prstGeom>
           <a:noFill/>
-          <a:ln w="9525">
-            <a:noFill/>
-            <a:miter lim="800000"/>
-          </a:ln>
         </p:spPr>
         <p:txBody>
-          <a:bodyPr wrap="square">
+          <a:bodyPr wrap="square" lIns="121917" tIns="60958" rIns="121917" bIns="60958" rtlCol="0">
             <a:spAutoFit/>
           </a:bodyPr>
           <a:lstStyle/>
           <a:p>
             <a:pPr algn="ctr"/>
             <a:r>
-              <a:rPr lang="en-US" sz="5400" b="1" dirty="0">
-                <a:solidFill>
-                  <a:srgbClr val="002060"/>
+              <a:rPr lang="en-US" sz="4800" b="1" dirty="0" smtClean="0">
+                <a:solidFill>
+                  <a:srgbClr val="660033"/>
                 </a:solidFill>
               </a:rPr>
-              <a:t>4</a:t>
-            </a:r>
-            <a:r>
-              <a:rPr lang="en-US" sz="5400" b="1" dirty="0" smtClean="0">
-                <a:solidFill>
-                  <a:srgbClr val="002060"/>
-                </a:solidFill>
-              </a:rPr>
-              <a:t>.</a:t>
-            </a:r>
-            <a:endParaRPr lang="en-US" sz="5400" b="1" dirty="0">
+              <a:t>( 2 )</a:t>
+            </a:r>
+            <a:endParaRPr lang="vi-VN" sz="4800" b="1" dirty="0">
               <a:solidFill>
-                <a:srgbClr val="002060"/>
+                <a:srgbClr val="660033"/>
               </a:solidFill>
             </a:endParaRPr>
           </a:p>
@@ -5805,13 +5618,20 @@
     </p:spTree>
     <p:extLst>
       <p:ext uri="{BB962C8B-B14F-4D97-AF65-F5344CB8AC3E}">
-        <p14:creationId xmlns:p14="http://schemas.microsoft.com/office/powerpoint/2010/main" val="3623643572"/>
+        <p14:creationId xmlns:p14="http://schemas.microsoft.com/office/powerpoint/2010/main" xmlns="" val="399046055"/>
       </p:ext>
     </p:extLst>
   </p:cSld>
   <p:clrMapOvr>
     <a:masterClrMapping/>
   </p:clrMapOvr>
+  <p:timing>
+    <p:tnLst>
+      <p:par>
+        <p:cTn id="1" dur="indefinite" restart="never" nodeType="tmRoot"/>
+      </p:par>
+    </p:tnLst>
+  </p:timing>
 </p:sld>
 </file>
 
@@ -5834,225 +5654,77 @@
       </p:grpSpPr>
       <p:sp>
         <p:nvSpPr>
-          <p:cNvPr id="4" name="Title 3"/>
-          <p:cNvSpPr>
-            <a:spLocks noGrp="1"/>
-          </p:cNvSpPr>
-          <p:nvPr>
-            <p:ph type="title"/>
-          </p:nvPr>
-        </p:nvSpPr>
-        <p:spPr/>
-        <p:txBody>
-          <a:bodyPr>
+          <p:cNvPr id="5" name="內容版面配置區 4"/>
+          <p:cNvSpPr>
+            <a:spLocks noGrp="1"/>
+          </p:cNvSpPr>
+          <p:nvPr>
+            <p:ph idx="1"/>
+          </p:nvPr>
+        </p:nvSpPr>
+        <p:spPr>
+          <a:xfrm>
+            <a:off x="0" y="2084851"/>
+            <a:ext cx="12192000" cy="2404863"/>
+          </a:xfrm>
+        </p:spPr>
+        <p:txBody>
+          <a:bodyPr anchor="ctr">
             <a:normAutofit/>
           </a:bodyPr>
           <a:lstStyle/>
           <a:p>
-            <a:r>
-              <a:rPr lang="en-US" altLang="zh-CN" sz="4800" b="1" dirty="0">
-                <a:solidFill>
-                  <a:srgbClr val="002060"/>
-                </a:solidFill>
-                <a:latin typeface="Microsoft JhengHei" panose="020B0604030504040204" pitchFamily="34" charset="-120"/>
-                <a:ea typeface="Microsoft JhengHei" panose="020B0604030504040204" pitchFamily="34" charset="-120"/>
+            <a:pPr marL="0" indent="0" algn="ctr">
+              <a:buNone/>
+            </a:pPr>
+            <a:r>
+              <a:rPr lang="zh-TW" altLang="en-US" sz="6400" b="1" dirty="0" smtClean="0">
+                <a:solidFill>
+                  <a:srgbClr val="660033"/>
+                </a:solidFill>
+                <a:latin typeface="Microsoft JhengHei" pitchFamily="34" charset="-120"/>
+                <a:ea typeface="Microsoft JhengHei" pitchFamily="34" charset="-120"/>
+                <a:sym typeface="+mn-ea"/>
               </a:rPr>
-              <a:t>【</a:t>
-            </a:r>
-            <a:r>
-              <a:rPr lang="zh-CN" altLang="en-US" sz="4800" b="1" dirty="0">
-                <a:solidFill>
-                  <a:srgbClr val="002060"/>
-                </a:solidFill>
-                <a:latin typeface="Microsoft JhengHei" panose="020B0604030504040204" pitchFamily="34" charset="-120"/>
-                <a:ea typeface="Microsoft JhengHei" panose="020B0604030504040204" pitchFamily="34" charset="-120"/>
-              </a:rPr>
-              <a:t>速發光</a:t>
-            </a:r>
-            <a:r>
-              <a:rPr lang="en-US" altLang="zh-CN" sz="4800" b="1" dirty="0">
-                <a:solidFill>
-                  <a:srgbClr val="002060"/>
-                </a:solidFill>
-                <a:latin typeface="Microsoft JhengHei" panose="020B0604030504040204" pitchFamily="34" charset="-120"/>
-                <a:ea typeface="Microsoft JhengHei" panose="020B0604030504040204" pitchFamily="34" charset="-120"/>
-              </a:rPr>
-              <a:t>】</a:t>
-            </a:r>
-            <a:endParaRPr lang="zh-CN" altLang="en-US" sz="4800" b="1" dirty="0">
-              <a:solidFill>
-                <a:srgbClr val="002060"/>
-              </a:solidFill>
-              <a:latin typeface="Microsoft JhengHei" panose="020B0604030504040204" pitchFamily="34" charset="-120"/>
-              <a:ea typeface="Microsoft JhengHei" panose="020B0604030504040204" pitchFamily="34" charset="-120"/>
-            </a:endParaRPr>
-          </a:p>
-        </p:txBody>
-      </p:sp>
-      <p:sp>
-        <p:nvSpPr>
-          <p:cNvPr id="5" name="Content Placeholder 4"/>
-          <p:cNvSpPr>
-            <a:spLocks noGrp="1"/>
-          </p:cNvSpPr>
-          <p:nvPr>
-            <p:ph idx="1"/>
-          </p:nvPr>
-        </p:nvSpPr>
-        <p:spPr/>
-        <p:txBody>
-          <a:bodyPr>
-            <a:normAutofit/>
-          </a:bodyPr>
-          <a:lstStyle/>
+              <a:t>速發光  速發福音真光</a:t>
+            </a:r>
+          </a:p>
           <a:p>
             <a:pPr marL="0" indent="0" algn="ctr">
               <a:buNone/>
             </a:pPr>
             <a:r>
-              <a:rPr lang="zh-TW" altLang="en-US" sz="5400" b="1" dirty="0">
-                <a:solidFill>
-                  <a:srgbClr val="002060"/>
-                </a:solidFill>
-                <a:latin typeface="Microsoft JhengHei" panose="020B0604030504040204" pitchFamily="34" charset="-120"/>
-                <a:ea typeface="Microsoft JhengHei" panose="020B0604030504040204" pitchFamily="34" charset="-120"/>
-              </a:rPr>
-              <a:t>速發</a:t>
-            </a:r>
-            <a:r>
-              <a:rPr lang="zh-TW" altLang="en-US" sz="5400" b="1" dirty="0">
-                <a:solidFill>
-                  <a:srgbClr val="002060"/>
-                </a:solidFill>
-                <a:latin typeface="Microsoft JhengHei" panose="020B0604030504040204" pitchFamily="34" charset="-120"/>
-                <a:ea typeface="Microsoft JhengHei" panose="020B0604030504040204" pitchFamily="34" charset="-120"/>
-              </a:rPr>
-              <a:t>光  速</a:t>
-            </a:r>
-            <a:r>
-              <a:rPr lang="zh-TW" altLang="en-US" sz="5400" b="1" dirty="0">
-                <a:solidFill>
-                  <a:srgbClr val="002060"/>
-                </a:solidFill>
-                <a:latin typeface="Microsoft JhengHei" panose="020B0604030504040204" pitchFamily="34" charset="-120"/>
-                <a:ea typeface="Microsoft JhengHei" panose="020B0604030504040204" pitchFamily="34" charset="-120"/>
-              </a:rPr>
-              <a:t>發福音真光</a:t>
-            </a:r>
-          </a:p>
-          <a:p>
-            <a:pPr marL="0" indent="0" algn="ctr">
-              <a:buNone/>
-            </a:pPr>
-            <a:r>
-              <a:rPr lang="zh-TW" altLang="en-US" sz="5400" b="1" dirty="0">
-                <a:solidFill>
-                  <a:srgbClr val="002060"/>
-                </a:solidFill>
-                <a:latin typeface="Microsoft JhengHei" panose="020B0604030504040204" pitchFamily="34" charset="-120"/>
-                <a:ea typeface="Microsoft JhengHei" panose="020B0604030504040204" pitchFamily="34" charset="-120"/>
+              <a:rPr lang="zh-TW" altLang="en-US" sz="6400" b="1" dirty="0" smtClean="0">
+                <a:solidFill>
+                  <a:srgbClr val="660033"/>
+                </a:solidFill>
+                <a:latin typeface="Microsoft JhengHei" pitchFamily="34" charset="-120"/>
+                <a:ea typeface="Microsoft JhengHei" pitchFamily="34" charset="-120"/>
+                <a:sym typeface="+mn-ea"/>
               </a:rPr>
               <a:t>速</a:t>
             </a:r>
             <a:r>
-              <a:rPr lang="zh-CN" altLang="en-US" sz="5400" b="1" dirty="0">
-                <a:solidFill>
-                  <a:srgbClr val="002060"/>
-                </a:solidFill>
-                <a:latin typeface="Microsoft JhengHei" panose="020B0604030504040204" pitchFamily="34" charset="-120"/>
-                <a:ea typeface="Microsoft JhengHei" panose="020B0604030504040204" pitchFamily="34" charset="-120"/>
+              <a:rPr lang="zh-CN" altLang="en-US" sz="6400" b="1" dirty="0" smtClean="0">
+                <a:solidFill>
+                  <a:srgbClr val="660033"/>
+                </a:solidFill>
+                <a:latin typeface="Microsoft JhengHei" pitchFamily="34" charset="-120"/>
+                <a:ea typeface="Microsoft JhengHei" pitchFamily="34" charset="-120"/>
+                <a:sym typeface="+mn-ea"/>
               </a:rPr>
               <a:t>照</a:t>
             </a:r>
             <a:r>
-              <a:rPr lang="zh-TW" altLang="en-US" sz="5400" b="1" dirty="0">
-                <a:solidFill>
-                  <a:srgbClr val="002060"/>
-                </a:solidFill>
-                <a:latin typeface="Microsoft JhengHei" panose="020B0604030504040204" pitchFamily="34" charset="-120"/>
-                <a:ea typeface="Microsoft JhengHei" panose="020B0604030504040204" pitchFamily="34" charset="-120"/>
+              <a:rPr lang="zh-TW" altLang="en-US" sz="6400" b="1" dirty="0" smtClean="0">
+                <a:solidFill>
+                  <a:srgbClr val="660033"/>
+                </a:solidFill>
+                <a:latin typeface="Microsoft JhengHei" pitchFamily="34" charset="-120"/>
+                <a:ea typeface="Microsoft JhengHei" pitchFamily="34" charset="-120"/>
+                <a:sym typeface="+mn-ea"/>
               </a:rPr>
-              <a:t>亮  幽</a:t>
-            </a:r>
-            <a:r>
-              <a:rPr lang="zh-TW" altLang="en-US" sz="5400" b="1" dirty="0">
-                <a:solidFill>
-                  <a:srgbClr val="002060"/>
-                </a:solidFill>
-                <a:latin typeface="Microsoft JhengHei" panose="020B0604030504040204" pitchFamily="34" charset="-120"/>
-                <a:ea typeface="Microsoft JhengHei" panose="020B0604030504040204" pitchFamily="34" charset="-120"/>
-              </a:rPr>
-              <a:t>暗昏沉地方</a:t>
-            </a:r>
-          </a:p>
-          <a:p>
-            <a:pPr marL="0" indent="0" algn="ctr">
-              <a:buNone/>
-            </a:pPr>
-            <a:r>
-              <a:rPr lang="zh-TW" altLang="en-US" sz="5400" b="1" dirty="0">
-                <a:solidFill>
-                  <a:srgbClr val="002060"/>
-                </a:solidFill>
-                <a:latin typeface="Microsoft JhengHei" panose="020B0604030504040204" pitchFamily="34" charset="-120"/>
-                <a:ea typeface="Microsoft JhengHei" panose="020B0604030504040204" pitchFamily="34" charset="-120"/>
-              </a:rPr>
-              <a:t>田禾成</a:t>
-            </a:r>
-            <a:r>
-              <a:rPr lang="zh-TW" altLang="en-US" sz="5400" b="1" dirty="0">
-                <a:solidFill>
-                  <a:srgbClr val="002060"/>
-                </a:solidFill>
-                <a:latin typeface="Microsoft JhengHei" panose="020B0604030504040204" pitchFamily="34" charset="-120"/>
-                <a:ea typeface="Microsoft JhengHei" panose="020B0604030504040204" pitchFamily="34" charset="-120"/>
-              </a:rPr>
-              <a:t>熟  宜</a:t>
-            </a:r>
-            <a:r>
-              <a:rPr lang="zh-TW" altLang="en-US" sz="5400" b="1" dirty="0">
-                <a:solidFill>
-                  <a:srgbClr val="002060"/>
-                </a:solidFill>
-                <a:latin typeface="Microsoft JhengHei" panose="020B0604030504040204" pitchFamily="34" charset="-120"/>
-                <a:ea typeface="Microsoft JhengHei" panose="020B0604030504040204" pitchFamily="34" charset="-120"/>
-              </a:rPr>
-              <a:t>收斂入倉</a:t>
-            </a:r>
-          </a:p>
-          <a:p>
-            <a:pPr marL="0" indent="0" algn="ctr">
-              <a:buNone/>
-            </a:pPr>
-            <a:r>
-              <a:rPr lang="zh-TW" altLang="en-US" sz="5400" b="1" dirty="0">
-                <a:solidFill>
-                  <a:srgbClr val="002060"/>
-                </a:solidFill>
-                <a:latin typeface="Microsoft JhengHei" panose="020B0604030504040204" pitchFamily="34" charset="-120"/>
-                <a:ea typeface="Microsoft JhengHei" panose="020B0604030504040204" pitchFamily="34" charset="-120"/>
-              </a:rPr>
-              <a:t>速發</a:t>
-            </a:r>
-            <a:r>
-              <a:rPr lang="zh-TW" altLang="en-US" sz="5400" b="1" dirty="0">
-                <a:solidFill>
-                  <a:srgbClr val="002060"/>
-                </a:solidFill>
-                <a:latin typeface="Microsoft JhengHei" panose="020B0604030504040204" pitchFamily="34" charset="-120"/>
-                <a:ea typeface="Microsoft JhengHei" panose="020B0604030504040204" pitchFamily="34" charset="-120"/>
-              </a:rPr>
-              <a:t>光  須</a:t>
-            </a:r>
-            <a:r>
-              <a:rPr lang="zh-TW" altLang="en-US" sz="5400" b="1" dirty="0">
-                <a:solidFill>
-                  <a:srgbClr val="002060"/>
-                </a:solidFill>
-                <a:latin typeface="Microsoft JhengHei" panose="020B0604030504040204" pitchFamily="34" charset="-120"/>
-                <a:ea typeface="Microsoft JhengHei" panose="020B0604030504040204" pitchFamily="34" charset="-120"/>
-              </a:rPr>
-              <a:t>速發光</a:t>
+              <a:t>亮  幽暗昏沉地方</a:t>
             </a:r>
           </a:p>
         </p:txBody>
@@ -6060,13 +5732,112 @@
     </p:spTree>
     <p:extLst>
       <p:ext uri="{BB962C8B-B14F-4D97-AF65-F5344CB8AC3E}">
-        <p14:creationId xmlns:p14="http://schemas.microsoft.com/office/powerpoint/2010/main" val="3287331442"/>
+        <p14:creationId xmlns:p14="http://schemas.microsoft.com/office/powerpoint/2010/main" xmlns="" val="399046055"/>
       </p:ext>
     </p:extLst>
   </p:cSld>
   <p:clrMapOvr>
     <a:masterClrMapping/>
   </p:clrMapOvr>
+  <p:timing>
+    <p:tnLst>
+      <p:par>
+        <p:cTn id="1" dur="indefinite" restart="never" nodeType="tmRoot"/>
+      </p:par>
+    </p:tnLst>
+  </p:timing>
+</p:sld>
+</file>
+
+<file path=ppt/slides/slide9.xml><?xml version="1.0" encoding="utf-8"?>
+<p:sld xmlns:a="http://schemas.openxmlformats.org/drawingml/2006/main" xmlns:r="http://schemas.openxmlformats.org/officeDocument/2006/relationships" xmlns:p="http://schemas.openxmlformats.org/presentationml/2006/main">
+  <p:cSld>
+    <p:spTree>
+      <p:nvGrpSpPr>
+        <p:cNvPr id="1" name=""/>
+        <p:cNvGrpSpPr/>
+        <p:nvPr/>
+      </p:nvGrpSpPr>
+      <p:grpSpPr>
+        <a:xfrm>
+          <a:off x="0" y="0"/>
+          <a:ext cx="0" cy="0"/>
+          <a:chOff x="0" y="0"/>
+          <a:chExt cx="0" cy="0"/>
+        </a:xfrm>
+      </p:grpSpPr>
+      <p:sp>
+        <p:nvSpPr>
+          <p:cNvPr id="5" name="內容版面配置區 4"/>
+          <p:cNvSpPr>
+            <a:spLocks noGrp="1"/>
+          </p:cNvSpPr>
+          <p:nvPr>
+            <p:ph idx="1"/>
+          </p:nvPr>
+        </p:nvSpPr>
+        <p:spPr>
+          <a:xfrm>
+            <a:off x="0" y="2084851"/>
+            <a:ext cx="12192000" cy="2404863"/>
+          </a:xfrm>
+        </p:spPr>
+        <p:txBody>
+          <a:bodyPr anchor="ctr">
+            <a:normAutofit/>
+          </a:bodyPr>
+          <a:lstStyle/>
+          <a:p>
+            <a:pPr marL="0" indent="0" algn="ctr">
+              <a:buNone/>
+            </a:pPr>
+            <a:r>
+              <a:rPr lang="zh-TW" altLang="en-US" sz="6400" b="1" dirty="0" smtClean="0">
+                <a:solidFill>
+                  <a:srgbClr val="660033"/>
+                </a:solidFill>
+                <a:latin typeface="Microsoft JhengHei" pitchFamily="34" charset="-120"/>
+                <a:ea typeface="Microsoft JhengHei" pitchFamily="34" charset="-120"/>
+                <a:sym typeface="+mn-ea"/>
+              </a:rPr>
+              <a:t>田禾成熟  宜收斂入倉</a:t>
+            </a:r>
+          </a:p>
+          <a:p>
+            <a:pPr marL="0" indent="0" algn="ctr">
+              <a:buNone/>
+            </a:pPr>
+            <a:r>
+              <a:rPr lang="zh-TW" altLang="en-US" sz="6400" b="1" dirty="0" smtClean="0">
+                <a:solidFill>
+                  <a:srgbClr val="660033"/>
+                </a:solidFill>
+                <a:latin typeface="Microsoft JhengHei" pitchFamily="34" charset="-120"/>
+                <a:ea typeface="Microsoft JhengHei" pitchFamily="34" charset="-120"/>
+                <a:sym typeface="+mn-ea"/>
+              </a:rPr>
+              <a:t>速發光  須速發光</a:t>
+            </a:r>
+          </a:p>
+        </p:txBody>
+      </p:sp>
+    </p:spTree>
+    <p:extLst>
+      <p:ext uri="{BB962C8B-B14F-4D97-AF65-F5344CB8AC3E}">
+        <p14:creationId xmlns:p14="http://schemas.microsoft.com/office/powerpoint/2010/main" xmlns="" val="399046055"/>
+      </p:ext>
+    </p:extLst>
+  </p:cSld>
+  <p:clrMapOvr>
+    <a:masterClrMapping/>
+  </p:clrMapOvr>
+  <p:timing>
+    <p:tnLst>
+      <p:par>
+        <p:cTn id="1" dur="indefinite" restart="never" nodeType="tmRoot"/>
+      </p:par>
+    </p:tnLst>
+  </p:timing>
 </p:sld>
 </file>
 
@@ -6352,7 +6123,7 @@
   <a:extraClrSchemeLst/>
   <a:extLst>
     <a:ext uri="{05A4C25C-085E-4340-85A3-A5531E510DB2}">
-      <thm15:themeFamily xmlns:thm15="http://schemas.microsoft.com/office/thememl/2012/main" name="Theme1" id="{1A8DE197-990E-4893-BF04-3823FBB50F9A}" vid="{430B7048-5A04-4BDB-939A-C7E865DB887B}"/>
+      <thm15:themeFamily xmlns:thm15="http://schemas.microsoft.com/office/thememl/2012/main" xmlns="" name="Theme1" id="{1A8DE197-990E-4893-BF04-3823FBB50F9A}" vid="{430B7048-5A04-4BDB-939A-C7E865DB887B}"/>
     </a:ext>
   </a:extLst>
 </a:theme>
@@ -6640,7 +6411,7 @@
   <a:extraClrSchemeLst/>
   <a:extLst>
     <a:ext uri="{05A4C25C-085E-4340-85A3-A5531E510DB2}">
-      <thm15:themeFamily xmlns:thm15="http://schemas.microsoft.com/office/thememl/2012/main" name="Office Theme" id="{62F939B6-93AF-4DB8-9C6B-D6C7DFDC589F}" vid="{4A3C46E8-61CC-4603-A589-7422A47A8E4A}"/>
+      <thm15:themeFamily xmlns:thm15="http://schemas.microsoft.com/office/thememl/2012/main" xmlns="" name="Office Theme" id="{62F939B6-93AF-4DB8-9C6B-D6C7DFDC589F}" vid="{4A3C46E8-61CC-4603-A589-7422A47A8E4A}"/>
     </a:ext>
   </a:extLst>
 </a:theme>
@@ -6901,7 +6672,7 @@
   <a:extraClrSchemeLst/>
   <a:extLst>
     <a:ext uri="{05A4C25C-085E-4340-85A3-A5531E510DB2}">
-      <thm15:themeFamily xmlns:thm15="http://schemas.microsoft.com/office/thememl/2012/main" name="Office Theme" id="{62F939B6-93AF-4DB8-9C6B-D6C7DFDC589F}" vid="{4A3C46E8-61CC-4603-A589-7422A47A8E4A}"/>
+      <thm15:themeFamily xmlns:thm15="http://schemas.microsoft.com/office/thememl/2012/main" xmlns="" name="Office Theme" id="{62F939B6-93AF-4DB8-9C6B-D6C7DFDC589F}" vid="{4A3C46E8-61CC-4603-A589-7422A47A8E4A}"/>
     </a:ext>
   </a:extLst>
 </a:theme>
